--- a/winter-2017-Report/winter2017mid.pptx
+++ b/winter-2017-Report/winter2017mid.pptx
@@ -5,17 +5,24 @@
     <p:sldMasterId id="2147483659" r:id="rId1"/>
   </p:sldMasterIdLst>
   <p:notesMasterIdLst>
-    <p:notesMasterId r:id="rId10"/>
+    <p:notesMasterId r:id="rId17"/>
   </p:notesMasterIdLst>
   <p:sldIdLst>
     <p:sldId id="268" r:id="rId2"/>
-    <p:sldId id="257" r:id="rId3"/>
-    <p:sldId id="266" r:id="rId4"/>
-    <p:sldId id="262" r:id="rId5"/>
-    <p:sldId id="263" r:id="rId6"/>
-    <p:sldId id="267" r:id="rId7"/>
-    <p:sldId id="264" r:id="rId8"/>
-    <p:sldId id="265" r:id="rId9"/>
+    <p:sldId id="273" r:id="rId3"/>
+    <p:sldId id="257" r:id="rId4"/>
+    <p:sldId id="274" r:id="rId5"/>
+    <p:sldId id="270" r:id="rId6"/>
+    <p:sldId id="271" r:id="rId7"/>
+    <p:sldId id="275" r:id="rId8"/>
+    <p:sldId id="272" r:id="rId9"/>
+    <p:sldId id="269" r:id="rId10"/>
+    <p:sldId id="266" r:id="rId11"/>
+    <p:sldId id="262" r:id="rId12"/>
+    <p:sldId id="263" r:id="rId13"/>
+    <p:sldId id="267" r:id="rId14"/>
+    <p:sldId id="264" r:id="rId15"/>
+    <p:sldId id="265" r:id="rId16"/>
   </p:sldIdLst>
   <p:sldSz cx="12192000" cy="6858000"/>
   <p:notesSz cx="6858000" cy="9144000"/>
@@ -222,6 +229,37 @@
     </a:lvl9pPr>
   </p:defaultTextStyle>
   <p:extLst>
+    <p:ext uri="{521415D9-36F7-43E2-AB2F-B90AF26B5E84}">
+      <p14:sectionLst xmlns:p14="http://schemas.microsoft.com/office/powerpoint/2010/main">
+        <p14:section name="Default Section" id="{4089789C-768B-D64F-BBDF-C65A11B6BF96}">
+          <p14:sldIdLst>
+            <p14:sldId id="268"/>
+            <p14:sldId id="273"/>
+          </p14:sldIdLst>
+        </p14:section>
+        <p14:section name="Roger" id="{A864078C-78E5-E542-A7D8-5E5E56418216}">
+          <p14:sldIdLst>
+            <p14:sldId id="257"/>
+            <p14:sldId id="274"/>
+            <p14:sldId id="270"/>
+            <p14:sldId id="271"/>
+            <p14:sldId id="275"/>
+            <p14:sldId id="272"/>
+          </p14:sldIdLst>
+        </p14:section>
+        <p14:section name="Krisna" id="{0E1CC158-E922-394C-AD87-4E0F95B1D7FB}">
+          <p14:sldIdLst>
+            <p14:sldId id="269"/>
+            <p14:sldId id="266"/>
+            <p14:sldId id="262"/>
+            <p14:sldId id="263"/>
+            <p14:sldId id="267"/>
+            <p14:sldId id="264"/>
+            <p14:sldId id="265"/>
+          </p14:sldIdLst>
+        </p14:section>
+      </p14:sectionLst>
+    </p:ext>
     <p:ext uri="{EFAFB233-063F-42B5-8137-9DF3F51BA10A}">
       <p15:sldGuideLst xmlns:p15="http://schemas.microsoft.com/office/powerpoint/2012/main"/>
     </p:ext>
@@ -1308,6 +1346,558 @@
         </p:txBody>
       </p:sp>
     </p:spTree>
+    <p:extLst>
+      <p:ext uri="{BB962C8B-B14F-4D97-AF65-F5344CB8AC3E}">
+        <p14:creationId xmlns:p14="http://schemas.microsoft.com/office/powerpoint/2010/main" val="1017537070"/>
+      </p:ext>
+    </p:extLst>
+  </p:cSld>
+  <p:clrMapOvr>
+    <a:masterClrMapping/>
+  </p:clrMapOvr>
+</p:notes>
+</file>
+
+<file path=ppt/notesSlides/notesSlide10.xml><?xml version="1.0" encoding="utf-8"?>
+<p:notes xmlns:a="http://schemas.openxmlformats.org/drawingml/2006/main" xmlns:r="http://schemas.openxmlformats.org/officeDocument/2006/relationships" xmlns:p="http://schemas.openxmlformats.org/presentationml/2006/main" showMasterSp="0" showMasterPhAnim="0">
+  <p:cSld>
+    <p:spTree>
+      <p:nvGrpSpPr>
+        <p:cNvPr id="1" name="Shape 438"/>
+        <p:cNvGrpSpPr/>
+        <p:nvPr/>
+      </p:nvGrpSpPr>
+      <p:grpSpPr>
+        <a:xfrm>
+          <a:off x="0" y="0"/>
+          <a:ext cx="0" cy="0"/>
+          <a:chOff x="0" y="0"/>
+          <a:chExt cx="0" cy="0"/>
+        </a:xfrm>
+      </p:grpSpPr>
+      <p:sp>
+        <p:nvSpPr>
+          <p:cNvPr id="439" name="Shape 439"/>
+          <p:cNvSpPr>
+            <a:spLocks noGrp="1" noRot="1" noChangeAspect="1"/>
+          </p:cNvSpPr>
+          <p:nvPr>
+            <p:ph type="sldImg" idx="2"/>
+          </p:nvPr>
+        </p:nvSpPr>
+        <p:spPr>
+          <a:xfrm>
+            <a:off x="685800" y="1143000"/>
+            <a:ext cx="5486400" cy="3086100"/>
+          </a:xfrm>
+          <a:custGeom>
+            <a:avLst/>
+            <a:gdLst/>
+            <a:ahLst/>
+            <a:cxnLst/>
+            <a:rect l="0" t="0" r="0" b="0"/>
+            <a:pathLst>
+              <a:path w="120000" h="120000" extrusionOk="0">
+                <a:moveTo>
+                  <a:pt x="0" y="0"/>
+                </a:moveTo>
+                <a:lnTo>
+                  <a:pt x="120000" y="0"/>
+                </a:lnTo>
+                <a:lnTo>
+                  <a:pt x="120000" y="120000"/>
+                </a:lnTo>
+                <a:lnTo>
+                  <a:pt x="0" y="120000"/>
+                </a:lnTo>
+                <a:close/>
+              </a:path>
+            </a:pathLst>
+          </a:custGeom>
+        </p:spPr>
+      </p:sp>
+      <p:sp>
+        <p:nvSpPr>
+          <p:cNvPr id="440" name="Shape 440"/>
+          <p:cNvSpPr txBox="1">
+            <a:spLocks noGrp="1"/>
+          </p:cNvSpPr>
+          <p:nvPr>
+            <p:ph type="body" idx="1"/>
+          </p:nvPr>
+        </p:nvSpPr>
+        <p:spPr>
+          <a:xfrm>
+            <a:off x="685800" y="4400550"/>
+            <a:ext cx="5486400" cy="3086100"/>
+          </a:xfrm>
+          <a:prstGeom prst="rect">
+            <a:avLst/>
+          </a:prstGeom>
+        </p:spPr>
+        <p:txBody>
+          <a:bodyPr lIns="91425" tIns="91425" rIns="91425" bIns="91425" anchor="t" anchorCtr="0">
+            <a:noAutofit/>
+          </a:bodyPr>
+          <a:lstStyle/>
+          <a:p>
+            <a:pPr lvl="0">
+              <a:spcBef>
+                <a:spcPts val="0"/>
+              </a:spcBef>
+              <a:buNone/>
+            </a:pPr>
+            <a:endParaRPr/>
+          </a:p>
+        </p:txBody>
+      </p:sp>
+      <p:sp>
+        <p:nvSpPr>
+          <p:cNvPr id="441" name="Shape 441"/>
+          <p:cNvSpPr txBox="1">
+            <a:spLocks noGrp="1"/>
+          </p:cNvSpPr>
+          <p:nvPr>
+            <p:ph type="sldNum" idx="12"/>
+          </p:nvPr>
+        </p:nvSpPr>
+        <p:spPr>
+          <a:xfrm>
+            <a:off x="3884612" y="8685213"/>
+            <a:ext cx="2971800" cy="458700"/>
+          </a:xfrm>
+          <a:prstGeom prst="rect">
+            <a:avLst/>
+          </a:prstGeom>
+        </p:spPr>
+        <p:txBody>
+          <a:bodyPr lIns="91425" tIns="45700" rIns="91425" bIns="45700" anchor="b" anchorCtr="0">
+            <a:noAutofit/>
+          </a:bodyPr>
+          <a:lstStyle/>
+          <a:p>
+            <a:pPr lvl="0">
+              <a:spcBef>
+                <a:spcPts val="0"/>
+              </a:spcBef>
+              <a:buClr>
+                <a:srgbClr val="000000"/>
+              </a:buClr>
+              <a:buSzPct val="25000"/>
+              <a:buFont typeface="Arial"/>
+              <a:buNone/>
+            </a:pPr>
+            <a:fld id="{00000000-1234-1234-1234-123412341234}" type="slidenum">
+              <a:rPr lang="en-US"/>
+              <a:t>12</a:t>
+            </a:fld>
+            <a:endParaRPr lang="en-US"/>
+          </a:p>
+        </p:txBody>
+      </p:sp>
+    </p:spTree>
+  </p:cSld>
+  <p:clrMapOvr>
+    <a:masterClrMapping/>
+  </p:clrMapOvr>
+</p:notes>
+</file>
+
+<file path=ppt/notesSlides/notesSlide11.xml><?xml version="1.0" encoding="utf-8"?>
+<p:notes xmlns:a="http://schemas.openxmlformats.org/drawingml/2006/main" xmlns:r="http://schemas.openxmlformats.org/officeDocument/2006/relationships" xmlns:p="http://schemas.openxmlformats.org/presentationml/2006/main">
+  <p:cSld>
+    <p:spTree>
+      <p:nvGrpSpPr>
+        <p:cNvPr id="1" name=""/>
+        <p:cNvGrpSpPr/>
+        <p:nvPr/>
+      </p:nvGrpSpPr>
+      <p:grpSpPr>
+        <a:xfrm>
+          <a:off x="0" y="0"/>
+          <a:ext cx="0" cy="0"/>
+          <a:chOff x="0" y="0"/>
+          <a:chExt cx="0" cy="0"/>
+        </a:xfrm>
+      </p:grpSpPr>
+      <p:sp>
+        <p:nvSpPr>
+          <p:cNvPr id="2" name="Slide Image Placeholder 1"/>
+          <p:cNvSpPr>
+            <a:spLocks noGrp="1" noRot="1" noChangeAspect="1"/>
+          </p:cNvSpPr>
+          <p:nvPr>
+            <p:ph type="sldImg"/>
+          </p:nvPr>
+        </p:nvSpPr>
+        <p:spPr>
+          <a:xfrm>
+            <a:off x="685800" y="1143000"/>
+            <a:ext cx="5486400" cy="3086100"/>
+          </a:xfrm>
+        </p:spPr>
+      </p:sp>
+      <p:sp>
+        <p:nvSpPr>
+          <p:cNvPr id="3" name="Notes Placeholder 2"/>
+          <p:cNvSpPr>
+            <a:spLocks noGrp="1"/>
+          </p:cNvSpPr>
+          <p:nvPr>
+            <p:ph type="body" idx="1"/>
+          </p:nvPr>
+        </p:nvSpPr>
+        <p:spPr/>
+        <p:txBody>
+          <a:bodyPr/>
+          <a:lstStyle/>
+          <a:p>
+            <a:endParaRPr lang="en-US" dirty="0"/>
+          </a:p>
+        </p:txBody>
+      </p:sp>
+      <p:sp>
+        <p:nvSpPr>
+          <p:cNvPr id="4" name="Slide Number Placeholder 3"/>
+          <p:cNvSpPr>
+            <a:spLocks noGrp="1"/>
+          </p:cNvSpPr>
+          <p:nvPr>
+            <p:ph type="sldNum" idx="10"/>
+          </p:nvPr>
+        </p:nvSpPr>
+        <p:spPr/>
+        <p:txBody>
+          <a:bodyPr/>
+          <a:lstStyle/>
+          <a:p>
+            <a:pPr marL="0" marR="0" lvl="0" indent="0" algn="r" rtl="0">
+              <a:spcBef>
+                <a:spcPts val="0"/>
+              </a:spcBef>
+              <a:buSzPct val="25000"/>
+              <a:buNone/>
+            </a:pPr>
+            <a:fld id="{00000000-1234-1234-1234-123412341234}" type="slidenum">
+              <a:rPr lang="en-US" sz="1200" b="0" i="0" u="none" strike="noStrike" cap="none" smtClean="0">
+                <a:solidFill>
+                  <a:schemeClr val="dk1"/>
+                </a:solidFill>
+                <a:latin typeface="Arial"/>
+                <a:ea typeface="Arial"/>
+                <a:cs typeface="Arial"/>
+                <a:sym typeface="Arial"/>
+              </a:rPr>
+              <a:t>13</a:t>
+            </a:fld>
+            <a:endParaRPr lang="en-US" sz="1200" b="0" i="0" u="none" strike="noStrike" cap="none">
+              <a:solidFill>
+                <a:schemeClr val="dk1"/>
+              </a:solidFill>
+              <a:latin typeface="Arial"/>
+              <a:ea typeface="Arial"/>
+              <a:cs typeface="Arial"/>
+              <a:sym typeface="Arial"/>
+            </a:endParaRPr>
+          </a:p>
+        </p:txBody>
+      </p:sp>
+    </p:spTree>
+    <p:extLst>
+      <p:ext uri="{BB962C8B-B14F-4D97-AF65-F5344CB8AC3E}">
+        <p14:creationId xmlns:p14="http://schemas.microsoft.com/office/powerpoint/2010/main" val="1441971247"/>
+      </p:ext>
+    </p:extLst>
+  </p:cSld>
+  <p:clrMapOvr>
+    <a:masterClrMapping/>
+  </p:clrMapOvr>
+</p:notes>
+</file>
+
+<file path=ppt/notesSlides/notesSlide12.xml><?xml version="1.0" encoding="utf-8"?>
+<p:notes xmlns:a="http://schemas.openxmlformats.org/drawingml/2006/main" xmlns:r="http://schemas.openxmlformats.org/officeDocument/2006/relationships" xmlns:p="http://schemas.openxmlformats.org/presentationml/2006/main" showMasterSp="0" showMasterPhAnim="0">
+  <p:cSld>
+    <p:spTree>
+      <p:nvGrpSpPr>
+        <p:cNvPr id="1" name="Shape 445"/>
+        <p:cNvGrpSpPr/>
+        <p:nvPr/>
+      </p:nvGrpSpPr>
+      <p:grpSpPr>
+        <a:xfrm>
+          <a:off x="0" y="0"/>
+          <a:ext cx="0" cy="0"/>
+          <a:chOff x="0" y="0"/>
+          <a:chExt cx="0" cy="0"/>
+        </a:xfrm>
+      </p:grpSpPr>
+      <p:sp>
+        <p:nvSpPr>
+          <p:cNvPr id="446" name="Shape 446"/>
+          <p:cNvSpPr>
+            <a:spLocks noGrp="1" noRot="1" noChangeAspect="1"/>
+          </p:cNvSpPr>
+          <p:nvPr>
+            <p:ph type="sldImg" idx="2"/>
+          </p:nvPr>
+        </p:nvSpPr>
+        <p:spPr>
+          <a:xfrm>
+            <a:off x="685800" y="1143000"/>
+            <a:ext cx="5486400" cy="3086100"/>
+          </a:xfrm>
+          <a:custGeom>
+            <a:avLst/>
+            <a:gdLst/>
+            <a:ahLst/>
+            <a:cxnLst/>
+            <a:rect l="0" t="0" r="0" b="0"/>
+            <a:pathLst>
+              <a:path w="120000" h="120000" extrusionOk="0">
+                <a:moveTo>
+                  <a:pt x="0" y="0"/>
+                </a:moveTo>
+                <a:lnTo>
+                  <a:pt x="120000" y="0"/>
+                </a:lnTo>
+                <a:lnTo>
+                  <a:pt x="120000" y="120000"/>
+                </a:lnTo>
+                <a:lnTo>
+                  <a:pt x="0" y="120000"/>
+                </a:lnTo>
+                <a:close/>
+              </a:path>
+            </a:pathLst>
+          </a:custGeom>
+        </p:spPr>
+      </p:sp>
+      <p:sp>
+        <p:nvSpPr>
+          <p:cNvPr id="447" name="Shape 447"/>
+          <p:cNvSpPr txBox="1">
+            <a:spLocks noGrp="1"/>
+          </p:cNvSpPr>
+          <p:nvPr>
+            <p:ph type="body" idx="1"/>
+          </p:nvPr>
+        </p:nvSpPr>
+        <p:spPr>
+          <a:xfrm>
+            <a:off x="685800" y="4400550"/>
+            <a:ext cx="5486400" cy="3086100"/>
+          </a:xfrm>
+          <a:prstGeom prst="rect">
+            <a:avLst/>
+          </a:prstGeom>
+        </p:spPr>
+        <p:txBody>
+          <a:bodyPr lIns="91425" tIns="91425" rIns="91425" bIns="91425" anchor="t" anchorCtr="0">
+            <a:noAutofit/>
+          </a:bodyPr>
+          <a:lstStyle/>
+          <a:p>
+            <a:pPr lvl="0">
+              <a:spcBef>
+                <a:spcPts val="0"/>
+              </a:spcBef>
+              <a:buNone/>
+            </a:pPr>
+            <a:endParaRPr/>
+          </a:p>
+        </p:txBody>
+      </p:sp>
+      <p:sp>
+        <p:nvSpPr>
+          <p:cNvPr id="448" name="Shape 448"/>
+          <p:cNvSpPr txBox="1">
+            <a:spLocks noGrp="1"/>
+          </p:cNvSpPr>
+          <p:nvPr>
+            <p:ph type="sldNum" idx="12"/>
+          </p:nvPr>
+        </p:nvSpPr>
+        <p:spPr>
+          <a:xfrm>
+            <a:off x="3884612" y="8685213"/>
+            <a:ext cx="2971800" cy="458700"/>
+          </a:xfrm>
+          <a:prstGeom prst="rect">
+            <a:avLst/>
+          </a:prstGeom>
+        </p:spPr>
+        <p:txBody>
+          <a:bodyPr lIns="91425" tIns="45700" rIns="91425" bIns="45700" anchor="b" anchorCtr="0">
+            <a:noAutofit/>
+          </a:bodyPr>
+          <a:lstStyle/>
+          <a:p>
+            <a:pPr lvl="0">
+              <a:spcBef>
+                <a:spcPts val="0"/>
+              </a:spcBef>
+              <a:buClr>
+                <a:srgbClr val="000000"/>
+              </a:buClr>
+              <a:buSzPct val="25000"/>
+              <a:buFont typeface="Arial"/>
+              <a:buNone/>
+            </a:pPr>
+            <a:fld id="{00000000-1234-1234-1234-123412341234}" type="slidenum">
+              <a:rPr lang="en-US"/>
+              <a:t>14</a:t>
+            </a:fld>
+            <a:endParaRPr lang="en-US"/>
+          </a:p>
+        </p:txBody>
+      </p:sp>
+    </p:spTree>
+  </p:cSld>
+  <p:clrMapOvr>
+    <a:masterClrMapping/>
+  </p:clrMapOvr>
+</p:notes>
+</file>
+
+<file path=ppt/notesSlides/notesSlide13.xml><?xml version="1.0" encoding="utf-8"?>
+<p:notes xmlns:a="http://schemas.openxmlformats.org/drawingml/2006/main" xmlns:r="http://schemas.openxmlformats.org/officeDocument/2006/relationships" xmlns:p="http://schemas.openxmlformats.org/presentationml/2006/main" showMasterSp="0" showMasterPhAnim="0">
+  <p:cSld>
+    <p:spTree>
+      <p:nvGrpSpPr>
+        <p:cNvPr id="1" name="Shape 452"/>
+        <p:cNvGrpSpPr/>
+        <p:nvPr/>
+      </p:nvGrpSpPr>
+      <p:grpSpPr>
+        <a:xfrm>
+          <a:off x="0" y="0"/>
+          <a:ext cx="0" cy="0"/>
+          <a:chOff x="0" y="0"/>
+          <a:chExt cx="0" cy="0"/>
+        </a:xfrm>
+      </p:grpSpPr>
+      <p:sp>
+        <p:nvSpPr>
+          <p:cNvPr id="453" name="Shape 453"/>
+          <p:cNvSpPr>
+            <a:spLocks noGrp="1" noRot="1" noChangeAspect="1"/>
+          </p:cNvSpPr>
+          <p:nvPr>
+            <p:ph type="sldImg" idx="2"/>
+          </p:nvPr>
+        </p:nvSpPr>
+        <p:spPr>
+          <a:xfrm>
+            <a:off x="685800" y="1143000"/>
+            <a:ext cx="5486400" cy="3086100"/>
+          </a:xfrm>
+          <a:custGeom>
+            <a:avLst/>
+            <a:gdLst/>
+            <a:ahLst/>
+            <a:cxnLst/>
+            <a:rect l="0" t="0" r="0" b="0"/>
+            <a:pathLst>
+              <a:path w="120000" h="120000" extrusionOk="0">
+                <a:moveTo>
+                  <a:pt x="0" y="0"/>
+                </a:moveTo>
+                <a:lnTo>
+                  <a:pt x="120000" y="0"/>
+                </a:lnTo>
+                <a:lnTo>
+                  <a:pt x="120000" y="120000"/>
+                </a:lnTo>
+                <a:lnTo>
+                  <a:pt x="0" y="120000"/>
+                </a:lnTo>
+                <a:close/>
+              </a:path>
+            </a:pathLst>
+          </a:custGeom>
+        </p:spPr>
+      </p:sp>
+      <p:sp>
+        <p:nvSpPr>
+          <p:cNvPr id="454" name="Shape 454"/>
+          <p:cNvSpPr txBox="1">
+            <a:spLocks noGrp="1"/>
+          </p:cNvSpPr>
+          <p:nvPr>
+            <p:ph type="body" idx="1"/>
+          </p:nvPr>
+        </p:nvSpPr>
+        <p:spPr>
+          <a:xfrm>
+            <a:off x="685800" y="4400550"/>
+            <a:ext cx="5486400" cy="3086100"/>
+          </a:xfrm>
+          <a:prstGeom prst="rect">
+            <a:avLst/>
+          </a:prstGeom>
+        </p:spPr>
+        <p:txBody>
+          <a:bodyPr lIns="91425" tIns="91425" rIns="91425" bIns="91425" anchor="t" anchorCtr="0">
+            <a:noAutofit/>
+          </a:bodyPr>
+          <a:lstStyle/>
+          <a:p>
+            <a:pPr lvl="0">
+              <a:spcBef>
+                <a:spcPts val="0"/>
+              </a:spcBef>
+              <a:buNone/>
+            </a:pPr>
+            <a:endParaRPr/>
+          </a:p>
+        </p:txBody>
+      </p:sp>
+      <p:sp>
+        <p:nvSpPr>
+          <p:cNvPr id="455" name="Shape 455"/>
+          <p:cNvSpPr txBox="1">
+            <a:spLocks noGrp="1"/>
+          </p:cNvSpPr>
+          <p:nvPr>
+            <p:ph type="sldNum" idx="12"/>
+          </p:nvPr>
+        </p:nvSpPr>
+        <p:spPr>
+          <a:xfrm>
+            <a:off x="3884612" y="8685213"/>
+            <a:ext cx="2971800" cy="458700"/>
+          </a:xfrm>
+          <a:prstGeom prst="rect">
+            <a:avLst/>
+          </a:prstGeom>
+        </p:spPr>
+        <p:txBody>
+          <a:bodyPr lIns="91425" tIns="45700" rIns="91425" bIns="45700" anchor="b" anchorCtr="0">
+            <a:noAutofit/>
+          </a:bodyPr>
+          <a:lstStyle/>
+          <a:p>
+            <a:pPr lvl="0">
+              <a:spcBef>
+                <a:spcPts val="0"/>
+              </a:spcBef>
+              <a:buClr>
+                <a:srgbClr val="000000"/>
+              </a:buClr>
+              <a:buSzPct val="25000"/>
+              <a:buFont typeface="Arial"/>
+              <a:buNone/>
+            </a:pPr>
+            <a:fld id="{00000000-1234-1234-1234-123412341234}" type="slidenum">
+              <a:rPr lang="en-US"/>
+              <a:t>15</a:t>
+            </a:fld>
+            <a:endParaRPr lang="en-US"/>
+          </a:p>
+        </p:txBody>
+      </p:sp>
+    </p:spTree>
   </p:cSld>
   <p:clrMapOvr>
     <a:masterClrMapping/>
@@ -1316,6 +1906,1586 @@
 </file>
 
 <file path=ppt/notesSlides/notesSlide2.xml><?xml version="1.0" encoding="utf-8"?>
+<p:notes xmlns:a="http://schemas.openxmlformats.org/drawingml/2006/main" xmlns:r="http://schemas.openxmlformats.org/officeDocument/2006/relationships" xmlns:p="http://schemas.openxmlformats.org/presentationml/2006/main" showMasterSp="0" showMasterPhAnim="0">
+  <p:cSld>
+    <p:spTree>
+      <p:nvGrpSpPr>
+        <p:cNvPr id="1" name="Shape 394"/>
+        <p:cNvGrpSpPr/>
+        <p:nvPr/>
+      </p:nvGrpSpPr>
+      <p:grpSpPr>
+        <a:xfrm>
+          <a:off x="0" y="0"/>
+          <a:ext cx="0" cy="0"/>
+          <a:chOff x="0" y="0"/>
+          <a:chExt cx="0" cy="0"/>
+        </a:xfrm>
+      </p:grpSpPr>
+      <p:sp>
+        <p:nvSpPr>
+          <p:cNvPr id="395" name="Shape 395"/>
+          <p:cNvSpPr>
+            <a:spLocks noGrp="1" noRot="1" noChangeAspect="1"/>
+          </p:cNvSpPr>
+          <p:nvPr>
+            <p:ph type="sldImg" idx="2"/>
+          </p:nvPr>
+        </p:nvSpPr>
+        <p:spPr>
+          <a:xfrm>
+            <a:off x="685800" y="1143000"/>
+            <a:ext cx="5486400" cy="3086100"/>
+          </a:xfrm>
+          <a:custGeom>
+            <a:avLst/>
+            <a:gdLst/>
+            <a:ahLst/>
+            <a:cxnLst/>
+            <a:rect l="0" t="0" r="0" b="0"/>
+            <a:pathLst>
+              <a:path w="120000" h="120000" extrusionOk="0">
+                <a:moveTo>
+                  <a:pt x="0" y="0"/>
+                </a:moveTo>
+                <a:lnTo>
+                  <a:pt x="120000" y="0"/>
+                </a:lnTo>
+                <a:lnTo>
+                  <a:pt x="120000" y="120000"/>
+                </a:lnTo>
+                <a:lnTo>
+                  <a:pt x="0" y="120000"/>
+                </a:lnTo>
+                <a:close/>
+              </a:path>
+            </a:pathLst>
+          </a:custGeom>
+          <a:noFill/>
+          <a:ln w="12700" cap="flat" cmpd="sng">
+            <a:solidFill>
+              <a:srgbClr val="000000"/>
+            </a:solidFill>
+            <a:prstDash val="solid"/>
+            <a:round/>
+            <a:headEnd type="none" w="med" len="med"/>
+            <a:tailEnd type="none" w="med" len="med"/>
+          </a:ln>
+        </p:spPr>
+      </p:sp>
+      <p:sp>
+        <p:nvSpPr>
+          <p:cNvPr id="396" name="Shape 396"/>
+          <p:cNvSpPr txBox="1">
+            <a:spLocks noGrp="1"/>
+          </p:cNvSpPr>
+          <p:nvPr>
+            <p:ph type="body" idx="1"/>
+          </p:nvPr>
+        </p:nvSpPr>
+        <p:spPr>
+          <a:xfrm>
+            <a:off x="685800" y="4400550"/>
+            <a:ext cx="5486399" cy="3086099"/>
+          </a:xfrm>
+          <a:prstGeom prst="rect">
+            <a:avLst/>
+          </a:prstGeom>
+          <a:noFill/>
+          <a:ln>
+            <a:noFill/>
+          </a:ln>
+        </p:spPr>
+        <p:txBody>
+          <a:bodyPr lIns="91425" tIns="45700" rIns="91425" bIns="45700" anchor="t" anchorCtr="0">
+            <a:noAutofit/>
+          </a:bodyPr>
+          <a:lstStyle/>
+          <a:p>
+            <a:pPr marL="0" marR="0" lvl="0" indent="0" algn="l" rtl="0">
+              <a:spcBef>
+                <a:spcPts val="0"/>
+              </a:spcBef>
+              <a:buSzPct val="25000"/>
+              <a:buNone/>
+            </a:pPr>
+            <a:r>
+              <a:rPr lang="en-US" sz="1200" b="0" i="0" u="none" strike="noStrike" cap="none" dirty="0" smtClean="0">
+                <a:solidFill>
+                  <a:schemeClr val="dk1"/>
+                </a:solidFill>
+                <a:latin typeface="Arial"/>
+                <a:ea typeface="Arial"/>
+                <a:cs typeface="Arial"/>
+                <a:sym typeface="Arial"/>
+              </a:rPr>
+              <a:t>Currently, we have completed the hardware setup that using a Metro Mini microcontroller and MPU-9250 IMU, the microcontroller and IMU are hooked up by using I2C protocol, and we can now use Arduino IDE for programming. From the perspective of software, we are able to recognize the address of connected IMU and read the output data from all three sensors of the MPU-9250 including acceleration (accelerator value), gyroscope values and magnetometer value. In addition, we discovered two different filtering algorithms for getting quaternion output based on the raw data of the sensor, which we can generate quaternion value by using sample code and existing libraries. </a:t>
+            </a:r>
+            <a:endParaRPr sz="1200" b="0" i="0" u="none" strike="noStrike" cap="none" dirty="0">
+              <a:solidFill>
+                <a:schemeClr val="dk1"/>
+              </a:solidFill>
+              <a:latin typeface="Arial"/>
+              <a:ea typeface="Arial"/>
+              <a:cs typeface="Arial"/>
+              <a:sym typeface="Arial"/>
+            </a:endParaRPr>
+          </a:p>
+        </p:txBody>
+      </p:sp>
+      <p:sp>
+        <p:nvSpPr>
+          <p:cNvPr id="397" name="Shape 397"/>
+          <p:cNvSpPr txBox="1">
+            <a:spLocks noGrp="1"/>
+          </p:cNvSpPr>
+          <p:nvPr>
+            <p:ph type="sldNum" idx="12"/>
+          </p:nvPr>
+        </p:nvSpPr>
+        <p:spPr>
+          <a:xfrm>
+            <a:off x="3884612" y="8685213"/>
+            <a:ext cx="2971799" cy="458786"/>
+          </a:xfrm>
+          <a:prstGeom prst="rect">
+            <a:avLst/>
+          </a:prstGeom>
+          <a:noFill/>
+          <a:ln>
+            <a:noFill/>
+          </a:ln>
+        </p:spPr>
+        <p:txBody>
+          <a:bodyPr lIns="91425" tIns="45700" rIns="91425" bIns="45700" anchor="b" anchorCtr="0">
+            <a:noAutofit/>
+          </a:bodyPr>
+          <a:lstStyle/>
+          <a:p>
+            <a:pPr marL="0" marR="0" lvl="0" indent="0" algn="r" rtl="0">
+              <a:spcBef>
+                <a:spcPts val="0"/>
+              </a:spcBef>
+              <a:buSzPct val="25000"/>
+              <a:buNone/>
+            </a:pPr>
+            <a:fld id="{00000000-1234-1234-1234-123412341234}" type="slidenum">
+              <a:rPr lang="en-US" sz="1200" b="0" i="0" u="none" strike="noStrike" cap="none">
+                <a:solidFill>
+                  <a:schemeClr val="dk1"/>
+                </a:solidFill>
+                <a:latin typeface="Arial"/>
+                <a:ea typeface="Arial"/>
+                <a:cs typeface="Arial"/>
+                <a:sym typeface="Arial"/>
+              </a:rPr>
+              <a:t>3</a:t>
+            </a:fld>
+            <a:endParaRPr lang="en-US" sz="1200" b="0" i="0" u="none" strike="noStrike" cap="none">
+              <a:solidFill>
+                <a:schemeClr val="dk1"/>
+              </a:solidFill>
+              <a:latin typeface="Arial"/>
+              <a:ea typeface="Arial"/>
+              <a:cs typeface="Arial"/>
+              <a:sym typeface="Arial"/>
+            </a:endParaRPr>
+          </a:p>
+        </p:txBody>
+      </p:sp>
+    </p:spTree>
+  </p:cSld>
+  <p:clrMapOvr>
+    <a:masterClrMapping/>
+  </p:clrMapOvr>
+</p:notes>
+</file>
+
+<file path=ppt/notesSlides/notesSlide3.xml><?xml version="1.0" encoding="utf-8"?>
+<p:notes xmlns:a="http://schemas.openxmlformats.org/drawingml/2006/main" xmlns:r="http://schemas.openxmlformats.org/officeDocument/2006/relationships" xmlns:p="http://schemas.openxmlformats.org/presentationml/2006/main" showMasterSp="0" showMasterPhAnim="0">
+  <p:cSld>
+    <p:spTree>
+      <p:nvGrpSpPr>
+        <p:cNvPr id="1" name="Shape 394"/>
+        <p:cNvGrpSpPr/>
+        <p:nvPr/>
+      </p:nvGrpSpPr>
+      <p:grpSpPr>
+        <a:xfrm>
+          <a:off x="0" y="0"/>
+          <a:ext cx="0" cy="0"/>
+          <a:chOff x="0" y="0"/>
+          <a:chExt cx="0" cy="0"/>
+        </a:xfrm>
+      </p:grpSpPr>
+      <p:sp>
+        <p:nvSpPr>
+          <p:cNvPr id="395" name="Shape 395"/>
+          <p:cNvSpPr>
+            <a:spLocks noGrp="1" noRot="1" noChangeAspect="1"/>
+          </p:cNvSpPr>
+          <p:nvPr>
+            <p:ph type="sldImg" idx="2"/>
+          </p:nvPr>
+        </p:nvSpPr>
+        <p:spPr>
+          <a:xfrm>
+            <a:off x="685800" y="1143000"/>
+            <a:ext cx="5486400" cy="3086100"/>
+          </a:xfrm>
+          <a:custGeom>
+            <a:avLst/>
+            <a:gdLst/>
+            <a:ahLst/>
+            <a:cxnLst/>
+            <a:rect l="0" t="0" r="0" b="0"/>
+            <a:pathLst>
+              <a:path w="120000" h="120000" extrusionOk="0">
+                <a:moveTo>
+                  <a:pt x="0" y="0"/>
+                </a:moveTo>
+                <a:lnTo>
+                  <a:pt x="120000" y="0"/>
+                </a:lnTo>
+                <a:lnTo>
+                  <a:pt x="120000" y="120000"/>
+                </a:lnTo>
+                <a:lnTo>
+                  <a:pt x="0" y="120000"/>
+                </a:lnTo>
+                <a:close/>
+              </a:path>
+            </a:pathLst>
+          </a:custGeom>
+          <a:noFill/>
+          <a:ln w="12700" cap="flat" cmpd="sng">
+            <a:solidFill>
+              <a:srgbClr val="000000"/>
+            </a:solidFill>
+            <a:prstDash val="solid"/>
+            <a:round/>
+            <a:headEnd type="none" w="med" len="med"/>
+            <a:tailEnd type="none" w="med" len="med"/>
+          </a:ln>
+        </p:spPr>
+      </p:sp>
+      <p:sp>
+        <p:nvSpPr>
+          <p:cNvPr id="396" name="Shape 396"/>
+          <p:cNvSpPr txBox="1">
+            <a:spLocks noGrp="1"/>
+          </p:cNvSpPr>
+          <p:nvPr>
+            <p:ph type="body" idx="1"/>
+          </p:nvPr>
+        </p:nvSpPr>
+        <p:spPr>
+          <a:xfrm>
+            <a:off x="685800" y="4400550"/>
+            <a:ext cx="5486399" cy="3086099"/>
+          </a:xfrm>
+          <a:prstGeom prst="rect">
+            <a:avLst/>
+          </a:prstGeom>
+          <a:noFill/>
+          <a:ln>
+            <a:noFill/>
+          </a:ln>
+        </p:spPr>
+        <p:txBody>
+          <a:bodyPr lIns="91425" tIns="45700" rIns="91425" bIns="45700" anchor="t" anchorCtr="0">
+            <a:noAutofit/>
+          </a:bodyPr>
+          <a:lstStyle/>
+          <a:p>
+            <a:pPr marL="0" marR="0" lvl="0" indent="0" algn="l" rtl="0">
+              <a:spcBef>
+                <a:spcPts val="0"/>
+              </a:spcBef>
+              <a:buSzPct val="25000"/>
+              <a:buNone/>
+            </a:pPr>
+            <a:r>
+              <a:rPr lang="en-US" sz="1200" b="0" i="0" u="none" strike="noStrike" cap="none" dirty="0" smtClean="0">
+                <a:solidFill>
+                  <a:schemeClr val="dk1"/>
+                </a:solidFill>
+                <a:latin typeface="Arial"/>
+                <a:ea typeface="Arial"/>
+                <a:cs typeface="Arial"/>
+                <a:sym typeface="Arial"/>
+              </a:rPr>
+              <a:t>We also successfully</a:t>
+            </a:r>
+            <a:r>
+              <a:rPr lang="en-US" sz="1200" b="0" i="0" u="none" strike="noStrike" cap="none" baseline="0" dirty="0" smtClean="0">
+                <a:solidFill>
+                  <a:schemeClr val="dk1"/>
+                </a:solidFill>
+                <a:latin typeface="Arial"/>
+                <a:ea typeface="Arial"/>
+                <a:cs typeface="Arial"/>
+                <a:sym typeface="Arial"/>
+              </a:rPr>
+              <a:t> ran a sample code on Arduino IDE based on a quaternion filtering library, that is able to use AHRS algorithm to generate quaternion data as well as yaw-pitch-roll values</a:t>
+            </a:r>
+            <a:endParaRPr sz="1200" b="0" i="0" u="none" strike="noStrike" cap="none" dirty="0">
+              <a:solidFill>
+                <a:schemeClr val="dk1"/>
+              </a:solidFill>
+              <a:latin typeface="Arial"/>
+              <a:ea typeface="Arial"/>
+              <a:cs typeface="Arial"/>
+              <a:sym typeface="Arial"/>
+            </a:endParaRPr>
+          </a:p>
+        </p:txBody>
+      </p:sp>
+      <p:sp>
+        <p:nvSpPr>
+          <p:cNvPr id="397" name="Shape 397"/>
+          <p:cNvSpPr txBox="1">
+            <a:spLocks noGrp="1"/>
+          </p:cNvSpPr>
+          <p:nvPr>
+            <p:ph type="sldNum" idx="12"/>
+          </p:nvPr>
+        </p:nvSpPr>
+        <p:spPr>
+          <a:xfrm>
+            <a:off x="3884612" y="8685213"/>
+            <a:ext cx="2971799" cy="458786"/>
+          </a:xfrm>
+          <a:prstGeom prst="rect">
+            <a:avLst/>
+          </a:prstGeom>
+          <a:noFill/>
+          <a:ln>
+            <a:noFill/>
+          </a:ln>
+        </p:spPr>
+        <p:txBody>
+          <a:bodyPr lIns="91425" tIns="45700" rIns="91425" bIns="45700" anchor="b" anchorCtr="0">
+            <a:noAutofit/>
+          </a:bodyPr>
+          <a:lstStyle/>
+          <a:p>
+            <a:pPr marL="0" marR="0" lvl="0" indent="0" algn="r" rtl="0">
+              <a:spcBef>
+                <a:spcPts val="0"/>
+              </a:spcBef>
+              <a:buSzPct val="25000"/>
+              <a:buNone/>
+            </a:pPr>
+            <a:fld id="{00000000-1234-1234-1234-123412341234}" type="slidenum">
+              <a:rPr lang="en-US" sz="1200" b="0" i="0" u="none" strike="noStrike" cap="none">
+                <a:solidFill>
+                  <a:schemeClr val="dk1"/>
+                </a:solidFill>
+                <a:latin typeface="Arial"/>
+                <a:ea typeface="Arial"/>
+                <a:cs typeface="Arial"/>
+                <a:sym typeface="Arial"/>
+              </a:rPr>
+              <a:t>4</a:t>
+            </a:fld>
+            <a:endParaRPr lang="en-US" sz="1200" b="0" i="0" u="none" strike="noStrike" cap="none">
+              <a:solidFill>
+                <a:schemeClr val="dk1"/>
+              </a:solidFill>
+              <a:latin typeface="Arial"/>
+              <a:ea typeface="Arial"/>
+              <a:cs typeface="Arial"/>
+              <a:sym typeface="Arial"/>
+            </a:endParaRPr>
+          </a:p>
+        </p:txBody>
+      </p:sp>
+    </p:spTree>
+    <p:extLst>
+      <p:ext uri="{BB962C8B-B14F-4D97-AF65-F5344CB8AC3E}">
+        <p14:creationId xmlns:p14="http://schemas.microsoft.com/office/powerpoint/2010/main" val="665274165"/>
+      </p:ext>
+    </p:extLst>
+  </p:cSld>
+  <p:clrMapOvr>
+    <a:masterClrMapping/>
+  </p:clrMapOvr>
+</p:notes>
+</file>
+
+<file path=ppt/notesSlides/notesSlide4.xml><?xml version="1.0" encoding="utf-8"?>
+<p:notes xmlns:a="http://schemas.openxmlformats.org/drawingml/2006/main" xmlns:r="http://schemas.openxmlformats.org/officeDocument/2006/relationships" xmlns:p="http://schemas.openxmlformats.org/presentationml/2006/main" showMasterSp="0" showMasterPhAnim="0">
+  <p:cSld>
+    <p:spTree>
+      <p:nvGrpSpPr>
+        <p:cNvPr id="1" name="Shape 394"/>
+        <p:cNvGrpSpPr/>
+        <p:nvPr/>
+      </p:nvGrpSpPr>
+      <p:grpSpPr>
+        <a:xfrm>
+          <a:off x="0" y="0"/>
+          <a:ext cx="0" cy="0"/>
+          <a:chOff x="0" y="0"/>
+          <a:chExt cx="0" cy="0"/>
+        </a:xfrm>
+      </p:grpSpPr>
+      <p:sp>
+        <p:nvSpPr>
+          <p:cNvPr id="395" name="Shape 395"/>
+          <p:cNvSpPr>
+            <a:spLocks noGrp="1" noRot="1" noChangeAspect="1"/>
+          </p:cNvSpPr>
+          <p:nvPr>
+            <p:ph type="sldImg" idx="2"/>
+          </p:nvPr>
+        </p:nvSpPr>
+        <p:spPr>
+          <a:xfrm>
+            <a:off x="685800" y="1143000"/>
+            <a:ext cx="5486400" cy="3086100"/>
+          </a:xfrm>
+          <a:custGeom>
+            <a:avLst/>
+            <a:gdLst/>
+            <a:ahLst/>
+            <a:cxnLst/>
+            <a:rect l="0" t="0" r="0" b="0"/>
+            <a:pathLst>
+              <a:path w="120000" h="120000" extrusionOk="0">
+                <a:moveTo>
+                  <a:pt x="0" y="0"/>
+                </a:moveTo>
+                <a:lnTo>
+                  <a:pt x="120000" y="0"/>
+                </a:lnTo>
+                <a:lnTo>
+                  <a:pt x="120000" y="120000"/>
+                </a:lnTo>
+                <a:lnTo>
+                  <a:pt x="0" y="120000"/>
+                </a:lnTo>
+                <a:close/>
+              </a:path>
+            </a:pathLst>
+          </a:custGeom>
+          <a:noFill/>
+          <a:ln w="12700" cap="flat" cmpd="sng">
+            <a:solidFill>
+              <a:srgbClr val="000000"/>
+            </a:solidFill>
+            <a:prstDash val="solid"/>
+            <a:round/>
+            <a:headEnd type="none" w="med" len="med"/>
+            <a:tailEnd type="none" w="med" len="med"/>
+          </a:ln>
+        </p:spPr>
+      </p:sp>
+      <p:sp>
+        <p:nvSpPr>
+          <p:cNvPr id="396" name="Shape 396"/>
+          <p:cNvSpPr txBox="1">
+            <a:spLocks noGrp="1"/>
+          </p:cNvSpPr>
+          <p:nvPr>
+            <p:ph type="body" idx="1"/>
+          </p:nvPr>
+        </p:nvSpPr>
+        <p:spPr>
+          <a:xfrm>
+            <a:off x="685800" y="4400550"/>
+            <a:ext cx="5486399" cy="3086099"/>
+          </a:xfrm>
+          <a:prstGeom prst="rect">
+            <a:avLst/>
+          </a:prstGeom>
+          <a:noFill/>
+          <a:ln>
+            <a:noFill/>
+          </a:ln>
+        </p:spPr>
+        <p:txBody>
+          <a:bodyPr lIns="91425" tIns="45700" rIns="91425" bIns="45700" anchor="t" anchorCtr="0">
+            <a:noAutofit/>
+          </a:bodyPr>
+          <a:lstStyle/>
+          <a:p>
+            <a:pPr marL="228600" marR="0" lvl="0" indent="-228600" algn="l" rtl="0">
+              <a:spcBef>
+                <a:spcPts val="0"/>
+              </a:spcBef>
+              <a:buSzPct val="25000"/>
+              <a:buAutoNum type="arabicPeriod"/>
+            </a:pPr>
+            <a:r>
+              <a:rPr lang="en-US" sz="1200" b="0" i="0" u="none" strike="noStrike" cap="none" dirty="0" smtClean="0">
+                <a:solidFill>
+                  <a:schemeClr val="dk1"/>
+                </a:solidFill>
+                <a:latin typeface="Arial"/>
+                <a:ea typeface="Arial"/>
+                <a:cs typeface="Arial"/>
+                <a:sym typeface="Arial"/>
+              </a:rPr>
+              <a:t>We still need to figure out how to connect slave IMUs and select the correct address of expected IMU by using I2C protocol. </a:t>
+            </a:r>
+          </a:p>
+          <a:p>
+            <a:pPr marL="228600" marR="0" lvl="0" indent="-228600" algn="l" rtl="0">
+              <a:spcBef>
+                <a:spcPts val="0"/>
+              </a:spcBef>
+              <a:buSzPct val="25000"/>
+              <a:buAutoNum type="arabicPeriod"/>
+            </a:pPr>
+            <a:r>
+              <a:rPr lang="en-US" sz="1200" b="0" i="0" u="none" strike="noStrike" cap="none" dirty="0" smtClean="0">
+                <a:solidFill>
+                  <a:schemeClr val="dk1"/>
+                </a:solidFill>
+                <a:latin typeface="Arial"/>
+                <a:ea typeface="Arial"/>
+                <a:cs typeface="Arial"/>
+                <a:sym typeface="Arial"/>
+              </a:rPr>
+              <a:t>Correctly calibrate the sensor error before using the</a:t>
+            </a:r>
+            <a:r>
+              <a:rPr lang="en-US" sz="1200" b="0" i="0" u="none" strike="noStrike" cap="none" baseline="0" dirty="0" smtClean="0">
+                <a:solidFill>
+                  <a:schemeClr val="dk1"/>
+                </a:solidFill>
+                <a:latin typeface="Arial"/>
+                <a:ea typeface="Arial"/>
+                <a:cs typeface="Arial"/>
+                <a:sym typeface="Arial"/>
+              </a:rPr>
+              <a:t> sensor</a:t>
+            </a:r>
+            <a:r>
+              <a:rPr lang="en-US" sz="1200" b="0" i="0" u="none" strike="noStrike" cap="none" dirty="0" smtClean="0">
+                <a:solidFill>
+                  <a:schemeClr val="dk1"/>
+                </a:solidFill>
+                <a:latin typeface="Arial"/>
+                <a:ea typeface="Arial"/>
+                <a:cs typeface="Arial"/>
+                <a:sym typeface="Arial"/>
+              </a:rPr>
+              <a:t> data to the algorithm</a:t>
+            </a:r>
+          </a:p>
+          <a:p>
+            <a:pPr marL="228600" marR="0" lvl="0" indent="-228600" algn="l" rtl="0">
+              <a:spcBef>
+                <a:spcPts val="0"/>
+              </a:spcBef>
+              <a:buSzPct val="25000"/>
+              <a:buAutoNum type="arabicPeriod"/>
+            </a:pPr>
+            <a:r>
+              <a:rPr lang="en-US" sz="1200" b="0" i="0" u="none" strike="noStrike" cap="none" dirty="0" smtClean="0">
+                <a:solidFill>
+                  <a:schemeClr val="dk1"/>
+                </a:solidFill>
+                <a:latin typeface="Arial"/>
+                <a:ea typeface="Arial"/>
+                <a:cs typeface="Arial"/>
+                <a:sym typeface="Arial"/>
+              </a:rPr>
+              <a:t>~</a:t>
+            </a:r>
+          </a:p>
+          <a:p>
+            <a:pPr marL="228600" marR="0" lvl="0" indent="-228600" algn="l" rtl="0">
+              <a:spcBef>
+                <a:spcPts val="0"/>
+              </a:spcBef>
+              <a:buSzPct val="25000"/>
+              <a:buAutoNum type="arabicPeriod"/>
+            </a:pPr>
+            <a:r>
+              <a:rPr lang="en-US" sz="1200" b="0" i="0" u="none" strike="noStrike" cap="none" dirty="0" err="1" smtClean="0">
+                <a:solidFill>
+                  <a:schemeClr val="dk1"/>
+                </a:solidFill>
+                <a:latin typeface="Arial"/>
+                <a:ea typeface="Arial"/>
+                <a:cs typeface="Arial"/>
+                <a:sym typeface="Arial"/>
+              </a:rPr>
+              <a:t>Krisna</a:t>
+            </a:r>
+            <a:r>
+              <a:rPr lang="en-US" sz="1200" b="0" i="0" u="none" strike="noStrike" cap="none" dirty="0" smtClean="0">
+                <a:solidFill>
+                  <a:schemeClr val="dk1"/>
+                </a:solidFill>
+                <a:latin typeface="Arial"/>
+                <a:ea typeface="Arial"/>
+                <a:cs typeface="Arial"/>
+                <a:sym typeface="Arial"/>
+              </a:rPr>
+              <a:t> is working on this part</a:t>
+            </a:r>
+            <a:endParaRPr sz="1200" b="0" i="0" u="none" strike="noStrike" cap="none" dirty="0">
+              <a:solidFill>
+                <a:schemeClr val="dk1"/>
+              </a:solidFill>
+              <a:latin typeface="Arial"/>
+              <a:ea typeface="Arial"/>
+              <a:cs typeface="Arial"/>
+              <a:sym typeface="Arial"/>
+            </a:endParaRPr>
+          </a:p>
+        </p:txBody>
+      </p:sp>
+      <p:sp>
+        <p:nvSpPr>
+          <p:cNvPr id="397" name="Shape 397"/>
+          <p:cNvSpPr txBox="1">
+            <a:spLocks noGrp="1"/>
+          </p:cNvSpPr>
+          <p:nvPr>
+            <p:ph type="sldNum" idx="12"/>
+          </p:nvPr>
+        </p:nvSpPr>
+        <p:spPr>
+          <a:xfrm>
+            <a:off x="3884612" y="8685213"/>
+            <a:ext cx="2971799" cy="458786"/>
+          </a:xfrm>
+          <a:prstGeom prst="rect">
+            <a:avLst/>
+          </a:prstGeom>
+          <a:noFill/>
+          <a:ln>
+            <a:noFill/>
+          </a:ln>
+        </p:spPr>
+        <p:txBody>
+          <a:bodyPr lIns="91425" tIns="45700" rIns="91425" bIns="45700" anchor="b" anchorCtr="0">
+            <a:noAutofit/>
+          </a:bodyPr>
+          <a:lstStyle/>
+          <a:p>
+            <a:pPr marL="0" marR="0" lvl="0" indent="0" algn="r" rtl="0">
+              <a:spcBef>
+                <a:spcPts val="0"/>
+              </a:spcBef>
+              <a:buSzPct val="25000"/>
+              <a:buNone/>
+            </a:pPr>
+            <a:fld id="{00000000-1234-1234-1234-123412341234}" type="slidenum">
+              <a:rPr lang="en-US" sz="1200" b="0" i="0" u="none" strike="noStrike" cap="none">
+                <a:solidFill>
+                  <a:schemeClr val="dk1"/>
+                </a:solidFill>
+                <a:latin typeface="Arial"/>
+                <a:ea typeface="Arial"/>
+                <a:cs typeface="Arial"/>
+                <a:sym typeface="Arial"/>
+              </a:rPr>
+              <a:t>5</a:t>
+            </a:fld>
+            <a:endParaRPr lang="en-US" sz="1200" b="0" i="0" u="none" strike="noStrike" cap="none">
+              <a:solidFill>
+                <a:schemeClr val="dk1"/>
+              </a:solidFill>
+              <a:latin typeface="Arial"/>
+              <a:ea typeface="Arial"/>
+              <a:cs typeface="Arial"/>
+              <a:sym typeface="Arial"/>
+            </a:endParaRPr>
+          </a:p>
+        </p:txBody>
+      </p:sp>
+    </p:spTree>
+    <p:extLst>
+      <p:ext uri="{BB962C8B-B14F-4D97-AF65-F5344CB8AC3E}">
+        <p14:creationId xmlns:p14="http://schemas.microsoft.com/office/powerpoint/2010/main" val="1281453721"/>
+      </p:ext>
+    </p:extLst>
+  </p:cSld>
+  <p:clrMapOvr>
+    <a:masterClrMapping/>
+  </p:clrMapOvr>
+</p:notes>
+</file>
+
+<file path=ppt/notesSlides/notesSlide5.xml><?xml version="1.0" encoding="utf-8"?>
+<p:notes xmlns:a="http://schemas.openxmlformats.org/drawingml/2006/main" xmlns:r="http://schemas.openxmlformats.org/officeDocument/2006/relationships" xmlns:p="http://schemas.openxmlformats.org/presentationml/2006/main" showMasterSp="0" showMasterPhAnim="0">
+  <p:cSld>
+    <p:spTree>
+      <p:nvGrpSpPr>
+        <p:cNvPr id="1" name="Shape 394"/>
+        <p:cNvGrpSpPr/>
+        <p:nvPr/>
+      </p:nvGrpSpPr>
+      <p:grpSpPr>
+        <a:xfrm>
+          <a:off x="0" y="0"/>
+          <a:ext cx="0" cy="0"/>
+          <a:chOff x="0" y="0"/>
+          <a:chExt cx="0" cy="0"/>
+        </a:xfrm>
+      </p:grpSpPr>
+      <p:sp>
+        <p:nvSpPr>
+          <p:cNvPr id="395" name="Shape 395"/>
+          <p:cNvSpPr>
+            <a:spLocks noGrp="1" noRot="1" noChangeAspect="1"/>
+          </p:cNvSpPr>
+          <p:nvPr>
+            <p:ph type="sldImg" idx="2"/>
+          </p:nvPr>
+        </p:nvSpPr>
+        <p:spPr>
+          <a:xfrm>
+            <a:off x="685800" y="1143000"/>
+            <a:ext cx="5486400" cy="3086100"/>
+          </a:xfrm>
+          <a:custGeom>
+            <a:avLst/>
+            <a:gdLst/>
+            <a:ahLst/>
+            <a:cxnLst/>
+            <a:rect l="0" t="0" r="0" b="0"/>
+            <a:pathLst>
+              <a:path w="120000" h="120000" extrusionOk="0">
+                <a:moveTo>
+                  <a:pt x="0" y="0"/>
+                </a:moveTo>
+                <a:lnTo>
+                  <a:pt x="120000" y="0"/>
+                </a:lnTo>
+                <a:lnTo>
+                  <a:pt x="120000" y="120000"/>
+                </a:lnTo>
+                <a:lnTo>
+                  <a:pt x="0" y="120000"/>
+                </a:lnTo>
+                <a:close/>
+              </a:path>
+            </a:pathLst>
+          </a:custGeom>
+          <a:noFill/>
+          <a:ln w="12700" cap="flat" cmpd="sng">
+            <a:solidFill>
+              <a:srgbClr val="000000"/>
+            </a:solidFill>
+            <a:prstDash val="solid"/>
+            <a:round/>
+            <a:headEnd type="none" w="med" len="med"/>
+            <a:tailEnd type="none" w="med" len="med"/>
+          </a:ln>
+        </p:spPr>
+      </p:sp>
+      <p:sp>
+        <p:nvSpPr>
+          <p:cNvPr id="396" name="Shape 396"/>
+          <p:cNvSpPr txBox="1">
+            <a:spLocks noGrp="1"/>
+          </p:cNvSpPr>
+          <p:nvPr>
+            <p:ph type="body" idx="1"/>
+          </p:nvPr>
+        </p:nvSpPr>
+        <p:spPr>
+          <a:xfrm>
+            <a:off x="685800" y="4400550"/>
+            <a:ext cx="5486399" cy="3086099"/>
+          </a:xfrm>
+          <a:prstGeom prst="rect">
+            <a:avLst/>
+          </a:prstGeom>
+          <a:noFill/>
+          <a:ln>
+            <a:noFill/>
+          </a:ln>
+        </p:spPr>
+        <p:txBody>
+          <a:bodyPr lIns="91425" tIns="45700" rIns="91425" bIns="45700" anchor="t" anchorCtr="0">
+            <a:noAutofit/>
+          </a:bodyPr>
+          <a:lstStyle/>
+          <a:p>
+            <a:pPr marL="0" marR="0" lvl="0" indent="0" algn="l" defTabSz="914400" rtl="0" eaLnBrk="1" fontAlgn="auto" latinLnBrk="0" hangingPunct="1">
+              <a:lnSpc>
+                <a:spcPct val="100000"/>
+              </a:lnSpc>
+              <a:spcBef>
+                <a:spcPts val="0"/>
+              </a:spcBef>
+              <a:spcAft>
+                <a:spcPts val="0"/>
+              </a:spcAft>
+              <a:buClrTx/>
+              <a:buSzPct val="25000"/>
+              <a:buFontTx/>
+              <a:buNone/>
+              <a:tabLst/>
+              <a:defRPr/>
+            </a:pPr>
+            <a:r>
+              <a:rPr lang="en-US" dirty="0" smtClean="0"/>
+              <a:t>It is difficult to measure actual precise error of the sensor data by just looking at it output data since the error could be very minor and unstable.</a:t>
+            </a:r>
+            <a:r>
+              <a:rPr lang="en-US" baseline="0" dirty="0" smtClean="0"/>
+              <a:t> Here is a screenshot comes from three groups of random data, the IMU is in a static motion and lying flat on a horizontal </a:t>
+            </a:r>
+            <a:r>
+              <a:rPr lang="en-US" baseline="0" dirty="0" err="1" smtClean="0"/>
+              <a:t>groud</a:t>
+            </a:r>
+            <a:r>
+              <a:rPr lang="en-US" baseline="0" dirty="0" smtClean="0"/>
+              <a:t>,</a:t>
+            </a:r>
+          </a:p>
+          <a:p>
+            <a:pPr marL="0" marR="0" lvl="0" indent="0" algn="l" defTabSz="914400" rtl="0" eaLnBrk="1" fontAlgn="auto" latinLnBrk="0" hangingPunct="1">
+              <a:lnSpc>
+                <a:spcPct val="100000"/>
+              </a:lnSpc>
+              <a:spcBef>
+                <a:spcPts val="0"/>
+              </a:spcBef>
+              <a:spcAft>
+                <a:spcPts val="0"/>
+              </a:spcAft>
+              <a:buClrTx/>
+              <a:buSzPct val="25000"/>
+              <a:buFontTx/>
+              <a:buNone/>
+              <a:tabLst/>
+              <a:defRPr/>
+            </a:pPr>
+            <a:endParaRPr lang="en-US" baseline="0" dirty="0" smtClean="0"/>
+          </a:p>
+          <a:p>
+            <a:pPr marL="0" marR="0" lvl="0" indent="0" algn="l" defTabSz="914400" rtl="0" eaLnBrk="1" fontAlgn="auto" latinLnBrk="0" hangingPunct="1">
+              <a:lnSpc>
+                <a:spcPct val="100000"/>
+              </a:lnSpc>
+              <a:spcBef>
+                <a:spcPts val="0"/>
+              </a:spcBef>
+              <a:spcAft>
+                <a:spcPts val="0"/>
+              </a:spcAft>
+              <a:buClrTx/>
+              <a:buSzPct val="25000"/>
+              <a:buFontTx/>
+              <a:buNone/>
+              <a:tabLst/>
+              <a:defRPr/>
+            </a:pPr>
+            <a:r>
+              <a:rPr lang="en-US" baseline="0" dirty="0" smtClean="0"/>
+              <a:t>Error is obvious</a:t>
+            </a:r>
+          </a:p>
+          <a:p>
+            <a:pPr marL="0" marR="0" lvl="0" indent="0" algn="l" defTabSz="914400" rtl="0" eaLnBrk="1" fontAlgn="auto" latinLnBrk="0" hangingPunct="1">
+              <a:lnSpc>
+                <a:spcPct val="100000"/>
+              </a:lnSpc>
+              <a:spcBef>
+                <a:spcPts val="0"/>
+              </a:spcBef>
+              <a:spcAft>
+                <a:spcPts val="0"/>
+              </a:spcAft>
+              <a:buClrTx/>
+              <a:buSzPct val="25000"/>
+              <a:buFontTx/>
+              <a:buNone/>
+              <a:tabLst/>
+              <a:defRPr/>
+            </a:pPr>
+            <a:endParaRPr lang="en-US" baseline="0" dirty="0" smtClean="0"/>
+          </a:p>
+          <a:p>
+            <a:pPr marL="0" marR="0" lvl="0" indent="0" algn="l" defTabSz="914400" rtl="0" eaLnBrk="1" fontAlgn="auto" latinLnBrk="0" hangingPunct="1">
+              <a:lnSpc>
+                <a:spcPct val="100000"/>
+              </a:lnSpc>
+              <a:spcBef>
+                <a:spcPts val="0"/>
+              </a:spcBef>
+              <a:spcAft>
+                <a:spcPts val="0"/>
+              </a:spcAft>
+              <a:buClrTx/>
+              <a:buSzPct val="25000"/>
+              <a:buFontTx/>
+              <a:buNone/>
+              <a:tabLst/>
+              <a:defRPr/>
+            </a:pPr>
+            <a:endParaRPr lang="en-US" dirty="0" smtClean="0"/>
+          </a:p>
+          <a:p>
+            <a:pPr marL="0" marR="0" lvl="0" indent="0" algn="l" rtl="0">
+              <a:spcBef>
+                <a:spcPts val="0"/>
+              </a:spcBef>
+              <a:buSzPct val="25000"/>
+              <a:buNone/>
+            </a:pPr>
+            <a:endParaRPr sz="1200" b="0" i="0" u="none" strike="noStrike" cap="none" dirty="0">
+              <a:solidFill>
+                <a:schemeClr val="dk1"/>
+              </a:solidFill>
+              <a:latin typeface="Arial"/>
+              <a:ea typeface="Arial"/>
+              <a:cs typeface="Arial"/>
+              <a:sym typeface="Arial"/>
+            </a:endParaRPr>
+          </a:p>
+        </p:txBody>
+      </p:sp>
+      <p:sp>
+        <p:nvSpPr>
+          <p:cNvPr id="397" name="Shape 397"/>
+          <p:cNvSpPr txBox="1">
+            <a:spLocks noGrp="1"/>
+          </p:cNvSpPr>
+          <p:nvPr>
+            <p:ph type="sldNum" idx="12"/>
+          </p:nvPr>
+        </p:nvSpPr>
+        <p:spPr>
+          <a:xfrm>
+            <a:off x="3884612" y="8685213"/>
+            <a:ext cx="2971799" cy="458786"/>
+          </a:xfrm>
+          <a:prstGeom prst="rect">
+            <a:avLst/>
+          </a:prstGeom>
+          <a:noFill/>
+          <a:ln>
+            <a:noFill/>
+          </a:ln>
+        </p:spPr>
+        <p:txBody>
+          <a:bodyPr lIns="91425" tIns="45700" rIns="91425" bIns="45700" anchor="b" anchorCtr="0">
+            <a:noAutofit/>
+          </a:bodyPr>
+          <a:lstStyle/>
+          <a:p>
+            <a:pPr marL="0" marR="0" lvl="0" indent="0" algn="r" rtl="0">
+              <a:spcBef>
+                <a:spcPts val="0"/>
+              </a:spcBef>
+              <a:buSzPct val="25000"/>
+              <a:buNone/>
+            </a:pPr>
+            <a:fld id="{00000000-1234-1234-1234-123412341234}" type="slidenum">
+              <a:rPr lang="en-US" sz="1200" b="0" i="0" u="none" strike="noStrike" cap="none">
+                <a:solidFill>
+                  <a:schemeClr val="dk1"/>
+                </a:solidFill>
+                <a:latin typeface="Arial"/>
+                <a:ea typeface="Arial"/>
+                <a:cs typeface="Arial"/>
+                <a:sym typeface="Arial"/>
+              </a:rPr>
+              <a:t>6</a:t>
+            </a:fld>
+            <a:endParaRPr lang="en-US" sz="1200" b="0" i="0" u="none" strike="noStrike" cap="none">
+              <a:solidFill>
+                <a:schemeClr val="dk1"/>
+              </a:solidFill>
+              <a:latin typeface="Arial"/>
+              <a:ea typeface="Arial"/>
+              <a:cs typeface="Arial"/>
+              <a:sym typeface="Arial"/>
+            </a:endParaRPr>
+          </a:p>
+        </p:txBody>
+      </p:sp>
+    </p:spTree>
+    <p:extLst>
+      <p:ext uri="{BB962C8B-B14F-4D97-AF65-F5344CB8AC3E}">
+        <p14:creationId xmlns:p14="http://schemas.microsoft.com/office/powerpoint/2010/main" val="146394093"/>
+      </p:ext>
+    </p:extLst>
+  </p:cSld>
+  <p:clrMapOvr>
+    <a:masterClrMapping/>
+  </p:clrMapOvr>
+</p:notes>
+</file>
+
+<file path=ppt/notesSlides/notesSlide6.xml><?xml version="1.0" encoding="utf-8"?>
+<p:notes xmlns:a="http://schemas.openxmlformats.org/drawingml/2006/main" xmlns:r="http://schemas.openxmlformats.org/officeDocument/2006/relationships" xmlns:p="http://schemas.openxmlformats.org/presentationml/2006/main" showMasterSp="0" showMasterPhAnim="0">
+  <p:cSld>
+    <p:spTree>
+      <p:nvGrpSpPr>
+        <p:cNvPr id="1" name="Shape 394"/>
+        <p:cNvGrpSpPr/>
+        <p:nvPr/>
+      </p:nvGrpSpPr>
+      <p:grpSpPr>
+        <a:xfrm>
+          <a:off x="0" y="0"/>
+          <a:ext cx="0" cy="0"/>
+          <a:chOff x="0" y="0"/>
+          <a:chExt cx="0" cy="0"/>
+        </a:xfrm>
+      </p:grpSpPr>
+      <p:sp>
+        <p:nvSpPr>
+          <p:cNvPr id="395" name="Shape 395"/>
+          <p:cNvSpPr>
+            <a:spLocks noGrp="1" noRot="1" noChangeAspect="1"/>
+          </p:cNvSpPr>
+          <p:nvPr>
+            <p:ph type="sldImg" idx="2"/>
+          </p:nvPr>
+        </p:nvSpPr>
+        <p:spPr>
+          <a:xfrm>
+            <a:off x="685800" y="1143000"/>
+            <a:ext cx="5486400" cy="3086100"/>
+          </a:xfrm>
+          <a:custGeom>
+            <a:avLst/>
+            <a:gdLst/>
+            <a:ahLst/>
+            <a:cxnLst/>
+            <a:rect l="0" t="0" r="0" b="0"/>
+            <a:pathLst>
+              <a:path w="120000" h="120000" extrusionOk="0">
+                <a:moveTo>
+                  <a:pt x="0" y="0"/>
+                </a:moveTo>
+                <a:lnTo>
+                  <a:pt x="120000" y="0"/>
+                </a:lnTo>
+                <a:lnTo>
+                  <a:pt x="120000" y="120000"/>
+                </a:lnTo>
+                <a:lnTo>
+                  <a:pt x="0" y="120000"/>
+                </a:lnTo>
+                <a:close/>
+              </a:path>
+            </a:pathLst>
+          </a:custGeom>
+          <a:noFill/>
+          <a:ln w="12700" cap="flat" cmpd="sng">
+            <a:solidFill>
+              <a:srgbClr val="000000"/>
+            </a:solidFill>
+            <a:prstDash val="solid"/>
+            <a:round/>
+            <a:headEnd type="none" w="med" len="med"/>
+            <a:tailEnd type="none" w="med" len="med"/>
+          </a:ln>
+        </p:spPr>
+      </p:sp>
+      <p:sp>
+        <p:nvSpPr>
+          <p:cNvPr id="396" name="Shape 396"/>
+          <p:cNvSpPr txBox="1">
+            <a:spLocks noGrp="1"/>
+          </p:cNvSpPr>
+          <p:nvPr>
+            <p:ph type="body" idx="1"/>
+          </p:nvPr>
+        </p:nvSpPr>
+        <p:spPr>
+          <a:xfrm>
+            <a:off x="685800" y="4400550"/>
+            <a:ext cx="5486399" cy="3086099"/>
+          </a:xfrm>
+          <a:prstGeom prst="rect">
+            <a:avLst/>
+          </a:prstGeom>
+          <a:noFill/>
+          <a:ln>
+            <a:noFill/>
+          </a:ln>
+        </p:spPr>
+        <p:txBody>
+          <a:bodyPr lIns="91425" tIns="45700" rIns="91425" bIns="45700" anchor="t" anchorCtr="0">
+            <a:noAutofit/>
+          </a:bodyPr>
+          <a:lstStyle/>
+          <a:p>
+            <a:r>
+              <a:rPr lang="en-US" dirty="0" smtClean="0"/>
+              <a:t>A solution to measure the error is by comparing the actual alter angle with the sensor output data. An actual alter angle can be calculated by using a laser pointer and a mechanical </a:t>
+            </a:r>
+            <a:r>
+              <a:rPr lang="en-US" smtClean="0"/>
+              <a:t>angle adjuster </a:t>
+            </a:r>
+            <a:r>
+              <a:rPr lang="en-US" dirty="0" smtClean="0"/>
+              <a:t>for assistant tool, as well as applying trigonometric algorithm. Look at experimental design description for more detail.</a:t>
+            </a:r>
+            <a:endParaRPr lang="en-US" dirty="0"/>
+          </a:p>
+        </p:txBody>
+      </p:sp>
+      <p:sp>
+        <p:nvSpPr>
+          <p:cNvPr id="397" name="Shape 397"/>
+          <p:cNvSpPr txBox="1">
+            <a:spLocks noGrp="1"/>
+          </p:cNvSpPr>
+          <p:nvPr>
+            <p:ph type="sldNum" idx="12"/>
+          </p:nvPr>
+        </p:nvSpPr>
+        <p:spPr>
+          <a:xfrm>
+            <a:off x="3884612" y="8685213"/>
+            <a:ext cx="2971799" cy="458786"/>
+          </a:xfrm>
+          <a:prstGeom prst="rect">
+            <a:avLst/>
+          </a:prstGeom>
+          <a:noFill/>
+          <a:ln>
+            <a:noFill/>
+          </a:ln>
+        </p:spPr>
+        <p:txBody>
+          <a:bodyPr lIns="91425" tIns="45700" rIns="91425" bIns="45700" anchor="b" anchorCtr="0">
+            <a:noAutofit/>
+          </a:bodyPr>
+          <a:lstStyle/>
+          <a:p>
+            <a:pPr marL="0" marR="0" lvl="0" indent="0" algn="r" rtl="0">
+              <a:spcBef>
+                <a:spcPts val="0"/>
+              </a:spcBef>
+              <a:buSzPct val="25000"/>
+              <a:buNone/>
+            </a:pPr>
+            <a:fld id="{00000000-1234-1234-1234-123412341234}" type="slidenum">
+              <a:rPr lang="en-US" sz="1200" b="0" i="0" u="none" strike="noStrike" cap="none">
+                <a:solidFill>
+                  <a:schemeClr val="dk1"/>
+                </a:solidFill>
+                <a:latin typeface="Arial"/>
+                <a:ea typeface="Arial"/>
+                <a:cs typeface="Arial"/>
+                <a:sym typeface="Arial"/>
+              </a:rPr>
+              <a:t>7</a:t>
+            </a:fld>
+            <a:endParaRPr lang="en-US" sz="1200" b="0" i="0" u="none" strike="noStrike" cap="none">
+              <a:solidFill>
+                <a:schemeClr val="dk1"/>
+              </a:solidFill>
+              <a:latin typeface="Arial"/>
+              <a:ea typeface="Arial"/>
+              <a:cs typeface="Arial"/>
+              <a:sym typeface="Arial"/>
+            </a:endParaRPr>
+          </a:p>
+        </p:txBody>
+      </p:sp>
+    </p:spTree>
+    <p:extLst>
+      <p:ext uri="{BB962C8B-B14F-4D97-AF65-F5344CB8AC3E}">
+        <p14:creationId xmlns:p14="http://schemas.microsoft.com/office/powerpoint/2010/main" val="677956762"/>
+      </p:ext>
+    </p:extLst>
+  </p:cSld>
+  <p:clrMapOvr>
+    <a:masterClrMapping/>
+  </p:clrMapOvr>
+</p:notes>
+</file>
+
+<file path=ppt/notesSlides/notesSlide7.xml><?xml version="1.0" encoding="utf-8"?>
+<p:notes xmlns:a="http://schemas.openxmlformats.org/drawingml/2006/main" xmlns:r="http://schemas.openxmlformats.org/officeDocument/2006/relationships" xmlns:p="http://schemas.openxmlformats.org/presentationml/2006/main" showMasterSp="0" showMasterPhAnim="0">
+  <p:cSld>
+    <p:spTree>
+      <p:nvGrpSpPr>
+        <p:cNvPr id="1" name="Shape 394"/>
+        <p:cNvGrpSpPr/>
+        <p:nvPr/>
+      </p:nvGrpSpPr>
+      <p:grpSpPr>
+        <a:xfrm>
+          <a:off x="0" y="0"/>
+          <a:ext cx="0" cy="0"/>
+          <a:chOff x="0" y="0"/>
+          <a:chExt cx="0" cy="0"/>
+        </a:xfrm>
+      </p:grpSpPr>
+      <p:sp>
+        <p:nvSpPr>
+          <p:cNvPr id="395" name="Shape 395"/>
+          <p:cNvSpPr>
+            <a:spLocks noGrp="1" noRot="1" noChangeAspect="1"/>
+          </p:cNvSpPr>
+          <p:nvPr>
+            <p:ph type="sldImg" idx="2"/>
+          </p:nvPr>
+        </p:nvSpPr>
+        <p:spPr>
+          <a:xfrm>
+            <a:off x="685800" y="1143000"/>
+            <a:ext cx="5486400" cy="3086100"/>
+          </a:xfrm>
+          <a:custGeom>
+            <a:avLst/>
+            <a:gdLst/>
+            <a:ahLst/>
+            <a:cxnLst/>
+            <a:rect l="0" t="0" r="0" b="0"/>
+            <a:pathLst>
+              <a:path w="120000" h="120000" extrusionOk="0">
+                <a:moveTo>
+                  <a:pt x="0" y="0"/>
+                </a:moveTo>
+                <a:lnTo>
+                  <a:pt x="120000" y="0"/>
+                </a:lnTo>
+                <a:lnTo>
+                  <a:pt x="120000" y="120000"/>
+                </a:lnTo>
+                <a:lnTo>
+                  <a:pt x="0" y="120000"/>
+                </a:lnTo>
+                <a:close/>
+              </a:path>
+            </a:pathLst>
+          </a:custGeom>
+          <a:noFill/>
+          <a:ln w="12700" cap="flat" cmpd="sng">
+            <a:solidFill>
+              <a:srgbClr val="000000"/>
+            </a:solidFill>
+            <a:prstDash val="solid"/>
+            <a:round/>
+            <a:headEnd type="none" w="med" len="med"/>
+            <a:tailEnd type="none" w="med" len="med"/>
+          </a:ln>
+        </p:spPr>
+      </p:sp>
+      <p:sp>
+        <p:nvSpPr>
+          <p:cNvPr id="396" name="Shape 396"/>
+          <p:cNvSpPr txBox="1">
+            <a:spLocks noGrp="1"/>
+          </p:cNvSpPr>
+          <p:nvPr>
+            <p:ph type="body" idx="1"/>
+          </p:nvPr>
+        </p:nvSpPr>
+        <p:spPr>
+          <a:xfrm>
+            <a:off x="685800" y="4400550"/>
+            <a:ext cx="5486399" cy="3086099"/>
+          </a:xfrm>
+          <a:prstGeom prst="rect">
+            <a:avLst/>
+          </a:prstGeom>
+          <a:noFill/>
+          <a:ln>
+            <a:noFill/>
+          </a:ln>
+        </p:spPr>
+        <p:txBody>
+          <a:bodyPr lIns="91425" tIns="45700" rIns="91425" bIns="45700" anchor="t" anchorCtr="0">
+            <a:noAutofit/>
+          </a:bodyPr>
+          <a:lstStyle/>
+          <a:p>
+            <a:pPr marL="0" marR="0" lvl="0" indent="0" algn="l" rtl="0">
+              <a:spcBef>
+                <a:spcPts val="0"/>
+              </a:spcBef>
+              <a:buSzPct val="25000"/>
+              <a:buNone/>
+            </a:pPr>
+            <a:endParaRPr sz="1200" b="0" i="0" u="none" strike="noStrike" cap="none">
+              <a:solidFill>
+                <a:schemeClr val="dk1"/>
+              </a:solidFill>
+              <a:latin typeface="Arial"/>
+              <a:ea typeface="Arial"/>
+              <a:cs typeface="Arial"/>
+              <a:sym typeface="Arial"/>
+            </a:endParaRPr>
+          </a:p>
+        </p:txBody>
+      </p:sp>
+      <p:sp>
+        <p:nvSpPr>
+          <p:cNvPr id="397" name="Shape 397"/>
+          <p:cNvSpPr txBox="1">
+            <a:spLocks noGrp="1"/>
+          </p:cNvSpPr>
+          <p:nvPr>
+            <p:ph type="sldNum" idx="12"/>
+          </p:nvPr>
+        </p:nvSpPr>
+        <p:spPr>
+          <a:xfrm>
+            <a:off x="3884612" y="8685213"/>
+            <a:ext cx="2971799" cy="458786"/>
+          </a:xfrm>
+          <a:prstGeom prst="rect">
+            <a:avLst/>
+          </a:prstGeom>
+          <a:noFill/>
+          <a:ln>
+            <a:noFill/>
+          </a:ln>
+        </p:spPr>
+        <p:txBody>
+          <a:bodyPr lIns="91425" tIns="45700" rIns="91425" bIns="45700" anchor="b" anchorCtr="0">
+            <a:noAutofit/>
+          </a:bodyPr>
+          <a:lstStyle/>
+          <a:p>
+            <a:pPr marL="0" marR="0" lvl="0" indent="0" algn="r" rtl="0">
+              <a:spcBef>
+                <a:spcPts val="0"/>
+              </a:spcBef>
+              <a:buSzPct val="25000"/>
+              <a:buNone/>
+            </a:pPr>
+            <a:fld id="{00000000-1234-1234-1234-123412341234}" type="slidenum">
+              <a:rPr lang="en-US" sz="1200" b="0" i="0" u="none" strike="noStrike" cap="none">
+                <a:solidFill>
+                  <a:schemeClr val="dk1"/>
+                </a:solidFill>
+                <a:latin typeface="Arial"/>
+                <a:ea typeface="Arial"/>
+                <a:cs typeface="Arial"/>
+                <a:sym typeface="Arial"/>
+              </a:rPr>
+              <a:t>8</a:t>
+            </a:fld>
+            <a:endParaRPr lang="en-US" sz="1200" b="0" i="0" u="none" strike="noStrike" cap="none">
+              <a:solidFill>
+                <a:schemeClr val="dk1"/>
+              </a:solidFill>
+              <a:latin typeface="Arial"/>
+              <a:ea typeface="Arial"/>
+              <a:cs typeface="Arial"/>
+              <a:sym typeface="Arial"/>
+            </a:endParaRPr>
+          </a:p>
+        </p:txBody>
+      </p:sp>
+    </p:spTree>
+    <p:extLst>
+      <p:ext uri="{BB962C8B-B14F-4D97-AF65-F5344CB8AC3E}">
+        <p14:creationId xmlns:p14="http://schemas.microsoft.com/office/powerpoint/2010/main" val="408977472"/>
+      </p:ext>
+    </p:extLst>
+  </p:cSld>
+  <p:clrMapOvr>
+    <a:masterClrMapping/>
+  </p:clrMapOvr>
+</p:notes>
+</file>
+
+<file path=ppt/notesSlides/notesSlide8.xml><?xml version="1.0" encoding="utf-8"?>
+<p:notes xmlns:a="http://schemas.openxmlformats.org/drawingml/2006/main" xmlns:r="http://schemas.openxmlformats.org/officeDocument/2006/relationships" xmlns:p="http://schemas.openxmlformats.org/presentationml/2006/main" showMasterSp="0" showMasterPhAnim="0">
+  <p:cSld>
+    <p:spTree>
+      <p:nvGrpSpPr>
+        <p:cNvPr id="1" name="Shape 394"/>
+        <p:cNvGrpSpPr/>
+        <p:nvPr/>
+      </p:nvGrpSpPr>
+      <p:grpSpPr>
+        <a:xfrm>
+          <a:off x="0" y="0"/>
+          <a:ext cx="0" cy="0"/>
+          <a:chOff x="0" y="0"/>
+          <a:chExt cx="0" cy="0"/>
+        </a:xfrm>
+      </p:grpSpPr>
+      <p:sp>
+        <p:nvSpPr>
+          <p:cNvPr id="395" name="Shape 395"/>
+          <p:cNvSpPr>
+            <a:spLocks noGrp="1" noRot="1" noChangeAspect="1"/>
+          </p:cNvSpPr>
+          <p:nvPr>
+            <p:ph type="sldImg" idx="2"/>
+          </p:nvPr>
+        </p:nvSpPr>
+        <p:spPr>
+          <a:xfrm>
+            <a:off x="685800" y="1143000"/>
+            <a:ext cx="5486400" cy="3086100"/>
+          </a:xfrm>
+          <a:custGeom>
+            <a:avLst/>
+            <a:gdLst/>
+            <a:ahLst/>
+            <a:cxnLst/>
+            <a:rect l="0" t="0" r="0" b="0"/>
+            <a:pathLst>
+              <a:path w="120000" h="120000" extrusionOk="0">
+                <a:moveTo>
+                  <a:pt x="0" y="0"/>
+                </a:moveTo>
+                <a:lnTo>
+                  <a:pt x="120000" y="0"/>
+                </a:lnTo>
+                <a:lnTo>
+                  <a:pt x="120000" y="120000"/>
+                </a:lnTo>
+                <a:lnTo>
+                  <a:pt x="0" y="120000"/>
+                </a:lnTo>
+                <a:close/>
+              </a:path>
+            </a:pathLst>
+          </a:custGeom>
+          <a:noFill/>
+          <a:ln w="12700" cap="flat" cmpd="sng">
+            <a:solidFill>
+              <a:srgbClr val="000000"/>
+            </a:solidFill>
+            <a:prstDash val="solid"/>
+            <a:round/>
+            <a:headEnd type="none" w="med" len="med"/>
+            <a:tailEnd type="none" w="med" len="med"/>
+          </a:ln>
+        </p:spPr>
+      </p:sp>
+      <p:sp>
+        <p:nvSpPr>
+          <p:cNvPr id="396" name="Shape 396"/>
+          <p:cNvSpPr txBox="1">
+            <a:spLocks noGrp="1"/>
+          </p:cNvSpPr>
+          <p:nvPr>
+            <p:ph type="body" idx="1"/>
+          </p:nvPr>
+        </p:nvSpPr>
+        <p:spPr>
+          <a:xfrm>
+            <a:off x="685800" y="4400550"/>
+            <a:ext cx="5486399" cy="3086099"/>
+          </a:xfrm>
+          <a:prstGeom prst="rect">
+            <a:avLst/>
+          </a:prstGeom>
+          <a:noFill/>
+          <a:ln>
+            <a:noFill/>
+          </a:ln>
+        </p:spPr>
+        <p:txBody>
+          <a:bodyPr lIns="91425" tIns="45700" rIns="91425" bIns="45700" anchor="t" anchorCtr="0">
+            <a:noAutofit/>
+          </a:bodyPr>
+          <a:lstStyle/>
+          <a:p>
+            <a:pPr marL="0" marR="0" lvl="0" indent="0" algn="l" rtl="0">
+              <a:spcBef>
+                <a:spcPts val="0"/>
+              </a:spcBef>
+              <a:buSzPct val="25000"/>
+              <a:buNone/>
+            </a:pPr>
+            <a:endParaRPr sz="1200" b="0" i="0" u="none" strike="noStrike" cap="none">
+              <a:solidFill>
+                <a:schemeClr val="dk1"/>
+              </a:solidFill>
+              <a:latin typeface="Arial"/>
+              <a:ea typeface="Arial"/>
+              <a:cs typeface="Arial"/>
+              <a:sym typeface="Arial"/>
+            </a:endParaRPr>
+          </a:p>
+        </p:txBody>
+      </p:sp>
+      <p:sp>
+        <p:nvSpPr>
+          <p:cNvPr id="397" name="Shape 397"/>
+          <p:cNvSpPr txBox="1">
+            <a:spLocks noGrp="1"/>
+          </p:cNvSpPr>
+          <p:nvPr>
+            <p:ph type="sldNum" idx="12"/>
+          </p:nvPr>
+        </p:nvSpPr>
+        <p:spPr>
+          <a:xfrm>
+            <a:off x="3884612" y="8685213"/>
+            <a:ext cx="2971799" cy="458786"/>
+          </a:xfrm>
+          <a:prstGeom prst="rect">
+            <a:avLst/>
+          </a:prstGeom>
+          <a:noFill/>
+          <a:ln>
+            <a:noFill/>
+          </a:ln>
+        </p:spPr>
+        <p:txBody>
+          <a:bodyPr lIns="91425" tIns="45700" rIns="91425" bIns="45700" anchor="b" anchorCtr="0">
+            <a:noAutofit/>
+          </a:bodyPr>
+          <a:lstStyle/>
+          <a:p>
+            <a:pPr marL="0" marR="0" lvl="0" indent="0" algn="r" rtl="0">
+              <a:spcBef>
+                <a:spcPts val="0"/>
+              </a:spcBef>
+              <a:buSzPct val="25000"/>
+              <a:buNone/>
+            </a:pPr>
+            <a:fld id="{00000000-1234-1234-1234-123412341234}" type="slidenum">
+              <a:rPr lang="en-US" sz="1200" b="0" i="0" u="none" strike="noStrike" cap="none">
+                <a:solidFill>
+                  <a:schemeClr val="dk1"/>
+                </a:solidFill>
+                <a:latin typeface="Arial"/>
+                <a:ea typeface="Arial"/>
+                <a:cs typeface="Arial"/>
+                <a:sym typeface="Arial"/>
+              </a:rPr>
+              <a:t>9</a:t>
+            </a:fld>
+            <a:endParaRPr lang="en-US" sz="1200" b="0" i="0" u="none" strike="noStrike" cap="none">
+              <a:solidFill>
+                <a:schemeClr val="dk1"/>
+              </a:solidFill>
+              <a:latin typeface="Arial"/>
+              <a:ea typeface="Arial"/>
+              <a:cs typeface="Arial"/>
+              <a:sym typeface="Arial"/>
+            </a:endParaRPr>
+          </a:p>
+        </p:txBody>
+      </p:sp>
+    </p:spTree>
+    <p:extLst>
+      <p:ext uri="{BB962C8B-B14F-4D97-AF65-F5344CB8AC3E}">
+        <p14:creationId xmlns:p14="http://schemas.microsoft.com/office/powerpoint/2010/main" val="418919756"/>
+      </p:ext>
+    </p:extLst>
+  </p:cSld>
+  <p:clrMapOvr>
+    <a:masterClrMapping/>
+  </p:clrMapOvr>
+</p:notes>
+</file>
+
+<file path=ppt/notesSlides/notesSlide9.xml><?xml version="1.0" encoding="utf-8"?>
 <p:notes xmlns:a="http://schemas.openxmlformats.org/drawingml/2006/main" xmlns:r="http://schemas.openxmlformats.org/officeDocument/2006/relationships" xmlns:p="http://schemas.openxmlformats.org/presentationml/2006/main" showMasterSp="0" showMasterPhAnim="0">
   <p:cSld>
     <p:spTree>
@@ -1446,554 +3616,7 @@
             </a:pPr>
             <a:fld id="{00000000-1234-1234-1234-123412341234}" type="slidenum">
               <a:rPr lang="en-US"/>
-              <a:t>4</a:t>
-            </a:fld>
-            <a:endParaRPr lang="en-US"/>
-          </a:p>
-        </p:txBody>
-      </p:sp>
-    </p:spTree>
-  </p:cSld>
-  <p:clrMapOvr>
-    <a:masterClrMapping/>
-  </p:clrMapOvr>
-</p:notes>
-</file>
-
-<file path=ppt/notesSlides/notesSlide3.xml><?xml version="1.0" encoding="utf-8"?>
-<p:notes xmlns:a="http://schemas.openxmlformats.org/drawingml/2006/main" xmlns:r="http://schemas.openxmlformats.org/officeDocument/2006/relationships" xmlns:p="http://schemas.openxmlformats.org/presentationml/2006/main" showMasterSp="0" showMasterPhAnim="0">
-  <p:cSld>
-    <p:spTree>
-      <p:nvGrpSpPr>
-        <p:cNvPr id="1" name="Shape 438"/>
-        <p:cNvGrpSpPr/>
-        <p:nvPr/>
-      </p:nvGrpSpPr>
-      <p:grpSpPr>
-        <a:xfrm>
-          <a:off x="0" y="0"/>
-          <a:ext cx="0" cy="0"/>
-          <a:chOff x="0" y="0"/>
-          <a:chExt cx="0" cy="0"/>
-        </a:xfrm>
-      </p:grpSpPr>
-      <p:sp>
-        <p:nvSpPr>
-          <p:cNvPr id="439" name="Shape 439"/>
-          <p:cNvSpPr>
-            <a:spLocks noGrp="1" noRot="1" noChangeAspect="1"/>
-          </p:cNvSpPr>
-          <p:nvPr>
-            <p:ph type="sldImg" idx="2"/>
-          </p:nvPr>
-        </p:nvSpPr>
-        <p:spPr>
-          <a:xfrm>
-            <a:off x="685800" y="1143000"/>
-            <a:ext cx="5486400" cy="3086100"/>
-          </a:xfrm>
-          <a:custGeom>
-            <a:avLst/>
-            <a:gdLst/>
-            <a:ahLst/>
-            <a:cxnLst/>
-            <a:rect l="0" t="0" r="0" b="0"/>
-            <a:pathLst>
-              <a:path w="120000" h="120000" extrusionOk="0">
-                <a:moveTo>
-                  <a:pt x="0" y="0"/>
-                </a:moveTo>
-                <a:lnTo>
-                  <a:pt x="120000" y="0"/>
-                </a:lnTo>
-                <a:lnTo>
-                  <a:pt x="120000" y="120000"/>
-                </a:lnTo>
-                <a:lnTo>
-                  <a:pt x="0" y="120000"/>
-                </a:lnTo>
-                <a:close/>
-              </a:path>
-            </a:pathLst>
-          </a:custGeom>
-        </p:spPr>
-      </p:sp>
-      <p:sp>
-        <p:nvSpPr>
-          <p:cNvPr id="440" name="Shape 440"/>
-          <p:cNvSpPr txBox="1">
-            <a:spLocks noGrp="1"/>
-          </p:cNvSpPr>
-          <p:nvPr>
-            <p:ph type="body" idx="1"/>
-          </p:nvPr>
-        </p:nvSpPr>
-        <p:spPr>
-          <a:xfrm>
-            <a:off x="685800" y="4400550"/>
-            <a:ext cx="5486400" cy="3086100"/>
-          </a:xfrm>
-          <a:prstGeom prst="rect">
-            <a:avLst/>
-          </a:prstGeom>
-        </p:spPr>
-        <p:txBody>
-          <a:bodyPr lIns="91425" tIns="91425" rIns="91425" bIns="91425" anchor="t" anchorCtr="0">
-            <a:noAutofit/>
-          </a:bodyPr>
-          <a:lstStyle/>
-          <a:p>
-            <a:pPr lvl="0">
-              <a:spcBef>
-                <a:spcPts val="0"/>
-              </a:spcBef>
-              <a:buNone/>
-            </a:pPr>
-            <a:endParaRPr/>
-          </a:p>
-        </p:txBody>
-      </p:sp>
-      <p:sp>
-        <p:nvSpPr>
-          <p:cNvPr id="441" name="Shape 441"/>
-          <p:cNvSpPr txBox="1">
-            <a:spLocks noGrp="1"/>
-          </p:cNvSpPr>
-          <p:nvPr>
-            <p:ph type="sldNum" idx="12"/>
-          </p:nvPr>
-        </p:nvSpPr>
-        <p:spPr>
-          <a:xfrm>
-            <a:off x="3884612" y="8685213"/>
-            <a:ext cx="2971800" cy="458700"/>
-          </a:xfrm>
-          <a:prstGeom prst="rect">
-            <a:avLst/>
-          </a:prstGeom>
-        </p:spPr>
-        <p:txBody>
-          <a:bodyPr lIns="91425" tIns="45700" rIns="91425" bIns="45700" anchor="b" anchorCtr="0">
-            <a:noAutofit/>
-          </a:bodyPr>
-          <a:lstStyle/>
-          <a:p>
-            <a:pPr lvl="0">
-              <a:spcBef>
-                <a:spcPts val="0"/>
-              </a:spcBef>
-              <a:buClr>
-                <a:srgbClr val="000000"/>
-              </a:buClr>
-              <a:buSzPct val="25000"/>
-              <a:buFont typeface="Arial"/>
-              <a:buNone/>
-            </a:pPr>
-            <a:fld id="{00000000-1234-1234-1234-123412341234}" type="slidenum">
-              <a:rPr lang="en-US"/>
-              <a:t>5</a:t>
-            </a:fld>
-            <a:endParaRPr lang="en-US"/>
-          </a:p>
-        </p:txBody>
-      </p:sp>
-    </p:spTree>
-  </p:cSld>
-  <p:clrMapOvr>
-    <a:masterClrMapping/>
-  </p:clrMapOvr>
-</p:notes>
-</file>
-
-<file path=ppt/notesSlides/notesSlide4.xml><?xml version="1.0" encoding="utf-8"?>
-<p:notes xmlns:a="http://schemas.openxmlformats.org/drawingml/2006/main" xmlns:r="http://schemas.openxmlformats.org/officeDocument/2006/relationships" xmlns:p="http://schemas.openxmlformats.org/presentationml/2006/main">
-  <p:cSld>
-    <p:spTree>
-      <p:nvGrpSpPr>
-        <p:cNvPr id="1" name=""/>
-        <p:cNvGrpSpPr/>
-        <p:nvPr/>
-      </p:nvGrpSpPr>
-      <p:grpSpPr>
-        <a:xfrm>
-          <a:off x="0" y="0"/>
-          <a:ext cx="0" cy="0"/>
-          <a:chOff x="0" y="0"/>
-          <a:chExt cx="0" cy="0"/>
-        </a:xfrm>
-      </p:grpSpPr>
-      <p:sp>
-        <p:nvSpPr>
-          <p:cNvPr id="2" name="Slide Image Placeholder 1"/>
-          <p:cNvSpPr>
-            <a:spLocks noGrp="1" noRot="1" noChangeAspect="1"/>
-          </p:cNvSpPr>
-          <p:nvPr>
-            <p:ph type="sldImg"/>
-          </p:nvPr>
-        </p:nvSpPr>
-        <p:spPr>
-          <a:xfrm>
-            <a:off x="685800" y="1143000"/>
-            <a:ext cx="5486400" cy="3086100"/>
-          </a:xfrm>
-        </p:spPr>
-      </p:sp>
-      <p:sp>
-        <p:nvSpPr>
-          <p:cNvPr id="3" name="Notes Placeholder 2"/>
-          <p:cNvSpPr>
-            <a:spLocks noGrp="1"/>
-          </p:cNvSpPr>
-          <p:nvPr>
-            <p:ph type="body" idx="1"/>
-          </p:nvPr>
-        </p:nvSpPr>
-        <p:spPr/>
-        <p:txBody>
-          <a:bodyPr/>
-          <a:lstStyle/>
-          <a:p>
-            <a:endParaRPr lang="en-US" dirty="0"/>
-          </a:p>
-        </p:txBody>
-      </p:sp>
-      <p:sp>
-        <p:nvSpPr>
-          <p:cNvPr id="4" name="Slide Number Placeholder 3"/>
-          <p:cNvSpPr>
-            <a:spLocks noGrp="1"/>
-          </p:cNvSpPr>
-          <p:nvPr>
-            <p:ph type="sldNum" idx="10"/>
-          </p:nvPr>
-        </p:nvSpPr>
-        <p:spPr/>
-        <p:txBody>
-          <a:bodyPr/>
-          <a:lstStyle/>
-          <a:p>
-            <a:pPr marL="0" marR="0" lvl="0" indent="0" algn="r" rtl="0">
-              <a:spcBef>
-                <a:spcPts val="0"/>
-              </a:spcBef>
-              <a:buSzPct val="25000"/>
-              <a:buNone/>
-            </a:pPr>
-            <a:fld id="{00000000-1234-1234-1234-123412341234}" type="slidenum">
-              <a:rPr lang="en-US" sz="1200" b="0" i="0" u="none" strike="noStrike" cap="none" smtClean="0">
-                <a:solidFill>
-                  <a:schemeClr val="dk1"/>
-                </a:solidFill>
-                <a:latin typeface="Arial"/>
-                <a:ea typeface="Arial"/>
-                <a:cs typeface="Arial"/>
-                <a:sym typeface="Arial"/>
-              </a:rPr>
-              <a:t>6</a:t>
-            </a:fld>
-            <a:endParaRPr lang="en-US" sz="1200" b="0" i="0" u="none" strike="noStrike" cap="none">
-              <a:solidFill>
-                <a:schemeClr val="dk1"/>
-              </a:solidFill>
-              <a:latin typeface="Arial"/>
-              <a:ea typeface="Arial"/>
-              <a:cs typeface="Arial"/>
-              <a:sym typeface="Arial"/>
-            </a:endParaRPr>
-          </a:p>
-        </p:txBody>
-      </p:sp>
-    </p:spTree>
-    <p:extLst>
-      <p:ext uri="{BB962C8B-B14F-4D97-AF65-F5344CB8AC3E}">
-        <p14:creationId xmlns:p14="http://schemas.microsoft.com/office/powerpoint/2010/main" val="1441971247"/>
-      </p:ext>
-    </p:extLst>
-  </p:cSld>
-  <p:clrMapOvr>
-    <a:masterClrMapping/>
-  </p:clrMapOvr>
-</p:notes>
-</file>
-
-<file path=ppt/notesSlides/notesSlide5.xml><?xml version="1.0" encoding="utf-8"?>
-<p:notes xmlns:a="http://schemas.openxmlformats.org/drawingml/2006/main" xmlns:r="http://schemas.openxmlformats.org/officeDocument/2006/relationships" xmlns:p="http://schemas.openxmlformats.org/presentationml/2006/main" showMasterSp="0" showMasterPhAnim="0">
-  <p:cSld>
-    <p:spTree>
-      <p:nvGrpSpPr>
-        <p:cNvPr id="1" name="Shape 445"/>
-        <p:cNvGrpSpPr/>
-        <p:nvPr/>
-      </p:nvGrpSpPr>
-      <p:grpSpPr>
-        <a:xfrm>
-          <a:off x="0" y="0"/>
-          <a:ext cx="0" cy="0"/>
-          <a:chOff x="0" y="0"/>
-          <a:chExt cx="0" cy="0"/>
-        </a:xfrm>
-      </p:grpSpPr>
-      <p:sp>
-        <p:nvSpPr>
-          <p:cNvPr id="446" name="Shape 446"/>
-          <p:cNvSpPr>
-            <a:spLocks noGrp="1" noRot="1" noChangeAspect="1"/>
-          </p:cNvSpPr>
-          <p:nvPr>
-            <p:ph type="sldImg" idx="2"/>
-          </p:nvPr>
-        </p:nvSpPr>
-        <p:spPr>
-          <a:xfrm>
-            <a:off x="685800" y="1143000"/>
-            <a:ext cx="5486400" cy="3086100"/>
-          </a:xfrm>
-          <a:custGeom>
-            <a:avLst/>
-            <a:gdLst/>
-            <a:ahLst/>
-            <a:cxnLst/>
-            <a:rect l="0" t="0" r="0" b="0"/>
-            <a:pathLst>
-              <a:path w="120000" h="120000" extrusionOk="0">
-                <a:moveTo>
-                  <a:pt x="0" y="0"/>
-                </a:moveTo>
-                <a:lnTo>
-                  <a:pt x="120000" y="0"/>
-                </a:lnTo>
-                <a:lnTo>
-                  <a:pt x="120000" y="120000"/>
-                </a:lnTo>
-                <a:lnTo>
-                  <a:pt x="0" y="120000"/>
-                </a:lnTo>
-                <a:close/>
-              </a:path>
-            </a:pathLst>
-          </a:custGeom>
-        </p:spPr>
-      </p:sp>
-      <p:sp>
-        <p:nvSpPr>
-          <p:cNvPr id="447" name="Shape 447"/>
-          <p:cNvSpPr txBox="1">
-            <a:spLocks noGrp="1"/>
-          </p:cNvSpPr>
-          <p:nvPr>
-            <p:ph type="body" idx="1"/>
-          </p:nvPr>
-        </p:nvSpPr>
-        <p:spPr>
-          <a:xfrm>
-            <a:off x="685800" y="4400550"/>
-            <a:ext cx="5486400" cy="3086100"/>
-          </a:xfrm>
-          <a:prstGeom prst="rect">
-            <a:avLst/>
-          </a:prstGeom>
-        </p:spPr>
-        <p:txBody>
-          <a:bodyPr lIns="91425" tIns="91425" rIns="91425" bIns="91425" anchor="t" anchorCtr="0">
-            <a:noAutofit/>
-          </a:bodyPr>
-          <a:lstStyle/>
-          <a:p>
-            <a:pPr lvl="0">
-              <a:spcBef>
-                <a:spcPts val="0"/>
-              </a:spcBef>
-              <a:buNone/>
-            </a:pPr>
-            <a:endParaRPr/>
-          </a:p>
-        </p:txBody>
-      </p:sp>
-      <p:sp>
-        <p:nvSpPr>
-          <p:cNvPr id="448" name="Shape 448"/>
-          <p:cNvSpPr txBox="1">
-            <a:spLocks noGrp="1"/>
-          </p:cNvSpPr>
-          <p:nvPr>
-            <p:ph type="sldNum" idx="12"/>
-          </p:nvPr>
-        </p:nvSpPr>
-        <p:spPr>
-          <a:xfrm>
-            <a:off x="3884612" y="8685213"/>
-            <a:ext cx="2971800" cy="458700"/>
-          </a:xfrm>
-          <a:prstGeom prst="rect">
-            <a:avLst/>
-          </a:prstGeom>
-        </p:spPr>
-        <p:txBody>
-          <a:bodyPr lIns="91425" tIns="45700" rIns="91425" bIns="45700" anchor="b" anchorCtr="0">
-            <a:noAutofit/>
-          </a:bodyPr>
-          <a:lstStyle/>
-          <a:p>
-            <a:pPr lvl="0">
-              <a:spcBef>
-                <a:spcPts val="0"/>
-              </a:spcBef>
-              <a:buClr>
-                <a:srgbClr val="000000"/>
-              </a:buClr>
-              <a:buSzPct val="25000"/>
-              <a:buFont typeface="Arial"/>
-              <a:buNone/>
-            </a:pPr>
-            <a:fld id="{00000000-1234-1234-1234-123412341234}" type="slidenum">
-              <a:rPr lang="en-US"/>
-              <a:t>7</a:t>
-            </a:fld>
-            <a:endParaRPr lang="en-US"/>
-          </a:p>
-        </p:txBody>
-      </p:sp>
-    </p:spTree>
-  </p:cSld>
-  <p:clrMapOvr>
-    <a:masterClrMapping/>
-  </p:clrMapOvr>
-</p:notes>
-</file>
-
-<file path=ppt/notesSlides/notesSlide6.xml><?xml version="1.0" encoding="utf-8"?>
-<p:notes xmlns:a="http://schemas.openxmlformats.org/drawingml/2006/main" xmlns:r="http://schemas.openxmlformats.org/officeDocument/2006/relationships" xmlns:p="http://schemas.openxmlformats.org/presentationml/2006/main" showMasterSp="0" showMasterPhAnim="0">
-  <p:cSld>
-    <p:spTree>
-      <p:nvGrpSpPr>
-        <p:cNvPr id="1" name="Shape 452"/>
-        <p:cNvGrpSpPr/>
-        <p:nvPr/>
-      </p:nvGrpSpPr>
-      <p:grpSpPr>
-        <a:xfrm>
-          <a:off x="0" y="0"/>
-          <a:ext cx="0" cy="0"/>
-          <a:chOff x="0" y="0"/>
-          <a:chExt cx="0" cy="0"/>
-        </a:xfrm>
-      </p:grpSpPr>
-      <p:sp>
-        <p:nvSpPr>
-          <p:cNvPr id="453" name="Shape 453"/>
-          <p:cNvSpPr>
-            <a:spLocks noGrp="1" noRot="1" noChangeAspect="1"/>
-          </p:cNvSpPr>
-          <p:nvPr>
-            <p:ph type="sldImg" idx="2"/>
-          </p:nvPr>
-        </p:nvSpPr>
-        <p:spPr>
-          <a:xfrm>
-            <a:off x="685800" y="1143000"/>
-            <a:ext cx="5486400" cy="3086100"/>
-          </a:xfrm>
-          <a:custGeom>
-            <a:avLst/>
-            <a:gdLst/>
-            <a:ahLst/>
-            <a:cxnLst/>
-            <a:rect l="0" t="0" r="0" b="0"/>
-            <a:pathLst>
-              <a:path w="120000" h="120000" extrusionOk="0">
-                <a:moveTo>
-                  <a:pt x="0" y="0"/>
-                </a:moveTo>
-                <a:lnTo>
-                  <a:pt x="120000" y="0"/>
-                </a:lnTo>
-                <a:lnTo>
-                  <a:pt x="120000" y="120000"/>
-                </a:lnTo>
-                <a:lnTo>
-                  <a:pt x="0" y="120000"/>
-                </a:lnTo>
-                <a:close/>
-              </a:path>
-            </a:pathLst>
-          </a:custGeom>
-        </p:spPr>
-      </p:sp>
-      <p:sp>
-        <p:nvSpPr>
-          <p:cNvPr id="454" name="Shape 454"/>
-          <p:cNvSpPr txBox="1">
-            <a:spLocks noGrp="1"/>
-          </p:cNvSpPr>
-          <p:nvPr>
-            <p:ph type="body" idx="1"/>
-          </p:nvPr>
-        </p:nvSpPr>
-        <p:spPr>
-          <a:xfrm>
-            <a:off x="685800" y="4400550"/>
-            <a:ext cx="5486400" cy="3086100"/>
-          </a:xfrm>
-          <a:prstGeom prst="rect">
-            <a:avLst/>
-          </a:prstGeom>
-        </p:spPr>
-        <p:txBody>
-          <a:bodyPr lIns="91425" tIns="91425" rIns="91425" bIns="91425" anchor="t" anchorCtr="0">
-            <a:noAutofit/>
-          </a:bodyPr>
-          <a:lstStyle/>
-          <a:p>
-            <a:pPr lvl="0">
-              <a:spcBef>
-                <a:spcPts val="0"/>
-              </a:spcBef>
-              <a:buNone/>
-            </a:pPr>
-            <a:endParaRPr/>
-          </a:p>
-        </p:txBody>
-      </p:sp>
-      <p:sp>
-        <p:nvSpPr>
-          <p:cNvPr id="455" name="Shape 455"/>
-          <p:cNvSpPr txBox="1">
-            <a:spLocks noGrp="1"/>
-          </p:cNvSpPr>
-          <p:nvPr>
-            <p:ph type="sldNum" idx="12"/>
-          </p:nvPr>
-        </p:nvSpPr>
-        <p:spPr>
-          <a:xfrm>
-            <a:off x="3884612" y="8685213"/>
-            <a:ext cx="2971800" cy="458700"/>
-          </a:xfrm>
-          <a:prstGeom prst="rect">
-            <a:avLst/>
-          </a:prstGeom>
-        </p:spPr>
-        <p:txBody>
-          <a:bodyPr lIns="91425" tIns="45700" rIns="91425" bIns="45700" anchor="b" anchorCtr="0">
-            <a:noAutofit/>
-          </a:bodyPr>
-          <a:lstStyle/>
-          <a:p>
-            <a:pPr lvl="0">
-              <a:spcBef>
-                <a:spcPts val="0"/>
-              </a:spcBef>
-              <a:buClr>
-                <a:srgbClr val="000000"/>
-              </a:buClr>
-              <a:buSzPct val="25000"/>
-              <a:buFont typeface="Arial"/>
-              <a:buNone/>
-            </a:pPr>
-            <a:fld id="{00000000-1234-1234-1234-123412341234}" type="slidenum">
-              <a:rPr lang="en-US"/>
-              <a:t>8</a:t>
+              <a:t>11</a:t>
             </a:fld>
             <a:endParaRPr lang="en-US"/>
           </a:p>
@@ -14357,311 +15980,7 @@
 </p:sld>
 </file>
 
-<file path=ppt/slides/slide2.xml><?xml version="1.0" encoding="utf-8"?>
-<p:sld xmlns:a="http://schemas.openxmlformats.org/drawingml/2006/main" xmlns:r="http://schemas.openxmlformats.org/officeDocument/2006/relationships" xmlns:p="http://schemas.openxmlformats.org/presentationml/2006/main">
-  <p:cSld>
-    <p:spTree>
-      <p:nvGrpSpPr>
-        <p:cNvPr id="1" name="Shape 398"/>
-        <p:cNvGrpSpPr/>
-        <p:nvPr/>
-      </p:nvGrpSpPr>
-      <p:grpSpPr>
-        <a:xfrm>
-          <a:off x="0" y="0"/>
-          <a:ext cx="0" cy="0"/>
-          <a:chOff x="0" y="0"/>
-          <a:chExt cx="0" cy="0"/>
-        </a:xfrm>
-      </p:grpSpPr>
-      <p:sp>
-        <p:nvSpPr>
-          <p:cNvPr id="399" name="Shape 399"/>
-          <p:cNvSpPr txBox="1">
-            <a:spLocks noGrp="1"/>
-          </p:cNvSpPr>
-          <p:nvPr>
-            <p:ph type="title"/>
-          </p:nvPr>
-        </p:nvSpPr>
-        <p:spPr>
-          <a:xfrm>
-            <a:off x="1206844" y="164218"/>
-            <a:ext cx="9601200" cy="1142385"/>
-          </a:xfrm>
-          <a:prstGeom prst="rect">
-            <a:avLst/>
-          </a:prstGeom>
-          <a:noFill/>
-          <a:ln>
-            <a:noFill/>
-          </a:ln>
-        </p:spPr>
-        <p:txBody>
-          <a:bodyPr lIns="91425" tIns="45700" rIns="91425" bIns="45700" anchor="b" anchorCtr="0">
-            <a:noAutofit/>
-          </a:bodyPr>
-          <a:lstStyle/>
-          <a:p>
-            <a:pPr marL="0" marR="0" lvl="0" indent="0" algn="l" rtl="0">
-              <a:lnSpc>
-                <a:spcPct val="90000"/>
-              </a:lnSpc>
-              <a:spcBef>
-                <a:spcPts val="0"/>
-              </a:spcBef>
-              <a:buClr>
-                <a:schemeClr val="accent1"/>
-              </a:buClr>
-              <a:buSzPct val="25000"/>
-              <a:buFont typeface="Arial"/>
-              <a:buNone/>
-            </a:pPr>
-            <a:r>
-              <a:rPr lang="en-US" sz="3200" b="1" i="0" u="none" strike="noStrike" cap="none" dirty="0" err="1">
-                <a:solidFill>
-                  <a:schemeClr val="accent1"/>
-                </a:solidFill>
-                <a:latin typeface="Arial"/>
-                <a:ea typeface="Arial"/>
-                <a:cs typeface="Arial"/>
-                <a:sym typeface="Arial"/>
-              </a:rPr>
-              <a:t>Krisna’s</a:t>
-            </a:r>
-            <a:r>
-              <a:rPr lang="en-US" sz="3200" b="1" i="0" u="none" strike="noStrike" cap="none" dirty="0">
-                <a:solidFill>
-                  <a:schemeClr val="accent1"/>
-                </a:solidFill>
-                <a:latin typeface="Arial"/>
-                <a:ea typeface="Arial"/>
-                <a:cs typeface="Arial"/>
-                <a:sym typeface="Arial"/>
-              </a:rPr>
-              <a:t> Current Stage </a:t>
-            </a:r>
-          </a:p>
-        </p:txBody>
-      </p:sp>
-      <p:sp>
-        <p:nvSpPr>
-          <p:cNvPr id="400" name="Shape 400"/>
-          <p:cNvSpPr txBox="1">
-            <a:spLocks noGrp="1"/>
-          </p:cNvSpPr>
-          <p:nvPr>
-            <p:ph type="body" idx="1"/>
-          </p:nvPr>
-        </p:nvSpPr>
-        <p:spPr>
-          <a:xfrm>
-            <a:off x="1295400" y="1497247"/>
-            <a:ext cx="4363994" cy="3809998"/>
-          </a:xfrm>
-          <a:prstGeom prst="rect">
-            <a:avLst/>
-          </a:prstGeom>
-          <a:noFill/>
-          <a:ln>
-            <a:noFill/>
-          </a:ln>
-        </p:spPr>
-        <p:txBody>
-          <a:bodyPr lIns="91425" tIns="45700" rIns="91425" bIns="45700" anchor="t" anchorCtr="0">
-            <a:noAutofit/>
-          </a:bodyPr>
-          <a:lstStyle/>
-          <a:p>
-            <a:pPr marL="342900" indent="-342900">
-              <a:spcBef>
-                <a:spcPts val="0"/>
-              </a:spcBef>
-            </a:pPr>
-            <a:r>
-              <a:rPr lang="en-US" dirty="0"/>
-              <a:t>I am at the stage of connecting the graphical user interface that I created in Visual Studio to the offset algorithm part of the software created in Arduino by my teammates.</a:t>
-            </a:r>
-          </a:p>
-          <a:p>
-            <a:pPr marL="342900" indent="-342900">
-              <a:spcBef>
-                <a:spcPts val="0"/>
-              </a:spcBef>
-            </a:pPr>
-            <a:endParaRPr lang="en-US" dirty="0"/>
-          </a:p>
-          <a:p>
-            <a:pPr marL="342900" indent="-342900">
-              <a:spcBef>
-                <a:spcPts val="0"/>
-              </a:spcBef>
-            </a:pPr>
-            <a:r>
-              <a:rPr lang="en-US" dirty="0"/>
-              <a:t>The graphical user interface run smoothly and ready to be connected. </a:t>
-            </a:r>
-          </a:p>
-          <a:p>
-            <a:pPr marL="342900" indent="-342900">
-              <a:spcBef>
-                <a:spcPts val="0"/>
-              </a:spcBef>
-            </a:pPr>
-            <a:endParaRPr lang="en-US" dirty="0"/>
-          </a:p>
-          <a:p>
-            <a:pPr marL="342900" indent="-342900">
-              <a:spcBef>
-                <a:spcPts val="0"/>
-              </a:spcBef>
-            </a:pPr>
-            <a:r>
-              <a:rPr lang="en-US" dirty="0"/>
-              <a:t>Will need to do the first user study with the clients. </a:t>
-            </a:r>
-          </a:p>
-          <a:p>
-            <a:pPr marL="342900" indent="-342900">
-              <a:spcBef>
-                <a:spcPts val="0"/>
-              </a:spcBef>
-            </a:pPr>
-            <a:endParaRPr lang="en-US" dirty="0"/>
-          </a:p>
-          <a:p>
-            <a:pPr lvl="0" indent="-228600">
-              <a:spcBef>
-                <a:spcPts val="0"/>
-              </a:spcBef>
-            </a:pPr>
-            <a:endParaRPr sz="2000" b="0" i="0" u="none" strike="noStrike" cap="none" dirty="0">
-              <a:solidFill>
-                <a:schemeClr val="dk1"/>
-              </a:solidFill>
-              <a:latin typeface="Arial"/>
-              <a:ea typeface="Arial"/>
-              <a:cs typeface="Arial"/>
-              <a:sym typeface="Arial"/>
-            </a:endParaRPr>
-          </a:p>
-        </p:txBody>
-      </p:sp>
-      <p:sp>
-        <p:nvSpPr>
-          <p:cNvPr id="402" name="Shape 402"/>
-          <p:cNvSpPr txBox="1"/>
-          <p:nvPr/>
-        </p:nvSpPr>
-        <p:spPr>
-          <a:xfrm>
-            <a:off x="6007444" y="5506598"/>
-            <a:ext cx="4363994" cy="3809998"/>
-          </a:xfrm>
-          <a:prstGeom prst="rect">
-            <a:avLst/>
-          </a:prstGeom>
-          <a:noFill/>
-          <a:ln>
-            <a:noFill/>
-          </a:ln>
-        </p:spPr>
-        <p:txBody>
-          <a:bodyPr lIns="91425" tIns="45700" rIns="91425" bIns="45700" anchor="t" anchorCtr="0">
-            <a:noAutofit/>
-          </a:bodyPr>
-          <a:lstStyle/>
-          <a:p>
-            <a:pPr marL="0" marR="0" lvl="0" indent="0" algn="l" rtl="0">
-              <a:lnSpc>
-                <a:spcPct val="90000"/>
-              </a:lnSpc>
-              <a:spcBef>
-                <a:spcPts val="1800"/>
-              </a:spcBef>
-              <a:buClr>
-                <a:schemeClr val="accent1"/>
-              </a:buClr>
-              <a:buSzPct val="25000"/>
-              <a:buFont typeface="Arial"/>
-              <a:buNone/>
-            </a:pPr>
-            <a:r>
-              <a:rPr lang="en-US" sz="2000" b="0" i="0" u="none" strike="noStrike" cap="none" dirty="0">
-                <a:solidFill>
-                  <a:schemeClr val="dk1"/>
-                </a:solidFill>
-                <a:latin typeface="Arial"/>
-                <a:ea typeface="Arial"/>
-                <a:cs typeface="Arial"/>
-                <a:sym typeface="Arial"/>
-              </a:rPr>
-              <a:t/>
-            </a:r>
-            <a:br>
-              <a:rPr lang="en-US" sz="2000" b="0" i="0" u="none" strike="noStrike" cap="none" dirty="0">
-                <a:solidFill>
-                  <a:schemeClr val="dk1"/>
-                </a:solidFill>
-                <a:latin typeface="Arial"/>
-                <a:ea typeface="Arial"/>
-                <a:cs typeface="Arial"/>
-                <a:sym typeface="Arial"/>
-              </a:rPr>
-            </a:br>
-            <a:endParaRPr lang="en-US" sz="2000" b="0" i="0" u="none" strike="noStrike" cap="none" dirty="0">
-              <a:solidFill>
-                <a:schemeClr val="dk1"/>
-              </a:solidFill>
-              <a:latin typeface="Arial"/>
-              <a:ea typeface="Arial"/>
-              <a:cs typeface="Arial"/>
-              <a:sym typeface="Arial"/>
-            </a:endParaRPr>
-          </a:p>
-        </p:txBody>
-      </p:sp>
-      <p:pic>
-        <p:nvPicPr>
-          <p:cNvPr id="6" name="Picture 5"/>
-          <p:cNvPicPr/>
-          <p:nvPr/>
-        </p:nvPicPr>
-        <p:blipFill rotWithShape="1">
-          <a:blip r:embed="rId3"/>
-          <a:srcRect l="31061" t="6376" r="32494" b="11347"/>
-          <a:stretch/>
-        </p:blipFill>
-        <p:spPr bwMode="auto">
-          <a:xfrm>
-            <a:off x="6423796" y="696004"/>
-            <a:ext cx="4640444" cy="4999401"/>
-          </a:xfrm>
-          <a:prstGeom prst="rect">
-            <a:avLst/>
-          </a:prstGeom>
-          <a:ln>
-            <a:noFill/>
-          </a:ln>
-          <a:extLst>
-            <a:ext uri="{53640926-AAD7-44D8-BBD7-CCE9431645EC}">
-              <a14:shadowObscured xmlns:a14="http://schemas.microsoft.com/office/drawing/2010/main"/>
-            </a:ext>
-          </a:extLst>
-        </p:spPr>
-      </p:pic>
-    </p:spTree>
-  </p:cSld>
-  <p:clrMapOvr>
-    <a:masterClrMapping/>
-  </p:clrMapOvr>
-  <p:transition spd="med">
-    <p:fade/>
-  </p:transition>
-</p:sld>
-</file>
-
-<file path=ppt/slides/slide3.xml><?xml version="1.0" encoding="utf-8"?>
+<file path=ppt/slides/slide10.xml><?xml version="1.0" encoding="utf-8"?>
 <p:sld xmlns:a="http://schemas.openxmlformats.org/drawingml/2006/main" xmlns:r="http://schemas.openxmlformats.org/officeDocument/2006/relationships" xmlns:p="http://schemas.openxmlformats.org/presentationml/2006/main">
   <p:cSld>
     <p:spTree>
@@ -14838,7 +16157,7 @@
 </p:sld>
 </file>
 
-<file path=ppt/slides/slide4.xml><?xml version="1.0" encoding="utf-8"?>
+<file path=ppt/slides/slide11.xml><?xml version="1.0" encoding="utf-8"?>
 <p:sld xmlns:a="http://schemas.openxmlformats.org/drawingml/2006/main" xmlns:r="http://schemas.openxmlformats.org/officeDocument/2006/relationships" xmlns:p="http://schemas.openxmlformats.org/presentationml/2006/main">
   <p:cSld>
     <p:spTree>
@@ -14995,7 +16314,7 @@
 </p:sld>
 </file>
 
-<file path=ppt/slides/slide5.xml><?xml version="1.0" encoding="utf-8"?>
+<file path=ppt/slides/slide12.xml><?xml version="1.0" encoding="utf-8"?>
 <p:sld xmlns:a="http://schemas.openxmlformats.org/drawingml/2006/main" xmlns:r="http://schemas.openxmlformats.org/officeDocument/2006/relationships" xmlns:p="http://schemas.openxmlformats.org/presentationml/2006/main">
   <p:cSld>
     <p:spTree>
@@ -15236,7 +16555,7 @@
 </p:sld>
 </file>
 
-<file path=ppt/slides/slide6.xml><?xml version="1.0" encoding="utf-8"?>
+<file path=ppt/slides/slide13.xml><?xml version="1.0" encoding="utf-8"?>
 <p:sld xmlns:a="http://schemas.openxmlformats.org/drawingml/2006/main" xmlns:r="http://schemas.openxmlformats.org/officeDocument/2006/relationships" xmlns:p="http://schemas.openxmlformats.org/presentationml/2006/main">
   <p:cSld>
     <p:spTree>
@@ -15339,7 +16658,7 @@
 </p:sld>
 </file>
 
-<file path=ppt/slides/slide7.xml><?xml version="1.0" encoding="utf-8"?>
+<file path=ppt/slides/slide14.xml><?xml version="1.0" encoding="utf-8"?>
 <p:sld xmlns:a="http://schemas.openxmlformats.org/drawingml/2006/main" xmlns:r="http://schemas.openxmlformats.org/officeDocument/2006/relationships" xmlns:p="http://schemas.openxmlformats.org/presentationml/2006/main">
   <p:cSld>
     <p:spTree>
@@ -15508,7 +16827,7 @@
 </p:sld>
 </file>
 
-<file path=ppt/slides/slide8.xml><?xml version="1.0" encoding="utf-8"?>
+<file path=ppt/slides/slide15.xml><?xml version="1.0" encoding="utf-8"?>
 <p:sld xmlns:a="http://schemas.openxmlformats.org/drawingml/2006/main" xmlns:r="http://schemas.openxmlformats.org/officeDocument/2006/relationships" xmlns:p="http://schemas.openxmlformats.org/presentationml/2006/main">
   <p:cSld>
     <p:spTree>
@@ -15568,6 +16887,2001 @@
   <p:clrMapOvr>
     <a:masterClrMapping/>
   </p:clrMapOvr>
+</p:sld>
+</file>
+
+<file path=ppt/slides/slide2.xml><?xml version="1.0" encoding="utf-8"?>
+<p:sld xmlns:a="http://schemas.openxmlformats.org/drawingml/2006/main" xmlns:r="http://schemas.openxmlformats.org/officeDocument/2006/relationships" xmlns:p="http://schemas.openxmlformats.org/presentationml/2006/main">
+  <p:cSld>
+    <p:spTree>
+      <p:nvGrpSpPr>
+        <p:cNvPr id="1" name="Shape 398"/>
+        <p:cNvGrpSpPr/>
+        <p:nvPr/>
+      </p:nvGrpSpPr>
+      <p:grpSpPr>
+        <a:xfrm>
+          <a:off x="0" y="0"/>
+          <a:ext cx="0" cy="0"/>
+          <a:chOff x="0" y="0"/>
+          <a:chExt cx="0" cy="0"/>
+        </a:xfrm>
+      </p:grpSpPr>
+      <p:sp>
+        <p:nvSpPr>
+          <p:cNvPr id="399" name="Shape 399"/>
+          <p:cNvSpPr txBox="1">
+            <a:spLocks noGrp="1"/>
+          </p:cNvSpPr>
+          <p:nvPr>
+            <p:ph type="title"/>
+          </p:nvPr>
+        </p:nvSpPr>
+        <p:spPr>
+          <a:xfrm>
+            <a:off x="1206844" y="164218"/>
+            <a:ext cx="9601200" cy="1142385"/>
+          </a:xfrm>
+          <a:prstGeom prst="rect">
+            <a:avLst/>
+          </a:prstGeom>
+          <a:noFill/>
+          <a:ln>
+            <a:noFill/>
+          </a:ln>
+        </p:spPr>
+        <p:txBody>
+          <a:bodyPr lIns="91425" tIns="45700" rIns="91425" bIns="45700" anchor="b" anchorCtr="0">
+            <a:noAutofit/>
+          </a:bodyPr>
+          <a:lstStyle/>
+          <a:p>
+            <a:pPr marL="0" marR="0" lvl="0" indent="0" algn="l" rtl="0">
+              <a:lnSpc>
+                <a:spcPct val="90000"/>
+              </a:lnSpc>
+              <a:spcBef>
+                <a:spcPts val="0"/>
+              </a:spcBef>
+              <a:buClr>
+                <a:schemeClr val="accent1"/>
+              </a:buClr>
+              <a:buSzPct val="25000"/>
+              <a:buFont typeface="Arial"/>
+              <a:buNone/>
+            </a:pPr>
+            <a:r>
+              <a:rPr lang="en-US" sz="3200" b="1" i="0" u="none" strike="noStrike" cap="none" dirty="0" smtClean="0">
+                <a:solidFill>
+                  <a:schemeClr val="accent1"/>
+                </a:solidFill>
+                <a:latin typeface="Arial"/>
+                <a:ea typeface="Arial"/>
+                <a:cs typeface="Arial"/>
+                <a:sym typeface="Arial"/>
+              </a:rPr>
+              <a:t>Purpose</a:t>
+            </a:r>
+            <a:endParaRPr lang="en-US" sz="3200" b="1" i="0" u="none" strike="noStrike" cap="none" dirty="0">
+              <a:solidFill>
+                <a:schemeClr val="accent1"/>
+              </a:solidFill>
+              <a:latin typeface="Arial"/>
+              <a:ea typeface="Arial"/>
+              <a:cs typeface="Arial"/>
+              <a:sym typeface="Arial"/>
+            </a:endParaRPr>
+          </a:p>
+        </p:txBody>
+      </p:sp>
+      <p:sp>
+        <p:nvSpPr>
+          <p:cNvPr id="402" name="Shape 402"/>
+          <p:cNvSpPr txBox="1"/>
+          <p:nvPr/>
+        </p:nvSpPr>
+        <p:spPr>
+          <a:xfrm>
+            <a:off x="6007444" y="5506598"/>
+            <a:ext cx="4363994" cy="3809998"/>
+          </a:xfrm>
+          <a:prstGeom prst="rect">
+            <a:avLst/>
+          </a:prstGeom>
+          <a:noFill/>
+          <a:ln>
+            <a:noFill/>
+          </a:ln>
+        </p:spPr>
+        <p:txBody>
+          <a:bodyPr lIns="91425" tIns="45700" rIns="91425" bIns="45700" anchor="t" anchorCtr="0">
+            <a:noAutofit/>
+          </a:bodyPr>
+          <a:lstStyle/>
+          <a:p>
+            <a:pPr marL="0" marR="0" lvl="0" indent="0" algn="l" rtl="0">
+              <a:lnSpc>
+                <a:spcPct val="90000"/>
+              </a:lnSpc>
+              <a:spcBef>
+                <a:spcPts val="1800"/>
+              </a:spcBef>
+              <a:buClr>
+                <a:schemeClr val="accent1"/>
+              </a:buClr>
+              <a:buSzPct val="25000"/>
+              <a:buFont typeface="Arial"/>
+              <a:buNone/>
+            </a:pPr>
+            <a:r>
+              <a:rPr lang="en-US" sz="2000" b="0" i="0" u="none" strike="noStrike" cap="none" dirty="0">
+                <a:solidFill>
+                  <a:schemeClr val="dk1"/>
+                </a:solidFill>
+                <a:latin typeface="Arial"/>
+                <a:ea typeface="Arial"/>
+                <a:cs typeface="Arial"/>
+                <a:sym typeface="Arial"/>
+              </a:rPr>
+              <a:t/>
+            </a:r>
+            <a:br>
+              <a:rPr lang="en-US" sz="2000" b="0" i="0" u="none" strike="noStrike" cap="none" dirty="0">
+                <a:solidFill>
+                  <a:schemeClr val="dk1"/>
+                </a:solidFill>
+                <a:latin typeface="Arial"/>
+                <a:ea typeface="Arial"/>
+                <a:cs typeface="Arial"/>
+                <a:sym typeface="Arial"/>
+              </a:rPr>
+            </a:br>
+            <a:endParaRPr lang="en-US" sz="2000" b="0" i="0" u="none" strike="noStrike" cap="none" dirty="0">
+              <a:solidFill>
+                <a:schemeClr val="dk1"/>
+              </a:solidFill>
+              <a:latin typeface="Arial"/>
+              <a:ea typeface="Arial"/>
+              <a:cs typeface="Arial"/>
+              <a:sym typeface="Arial"/>
+            </a:endParaRPr>
+          </a:p>
+        </p:txBody>
+      </p:sp>
+      <p:sp>
+        <p:nvSpPr>
+          <p:cNvPr id="2" name="Text Placeholder 1"/>
+          <p:cNvSpPr>
+            <a:spLocks noGrp="1"/>
+          </p:cNvSpPr>
+          <p:nvPr>
+            <p:ph type="body" idx="1"/>
+          </p:nvPr>
+        </p:nvSpPr>
+        <p:spPr>
+          <a:xfrm>
+            <a:off x="1206844" y="1808205"/>
+            <a:ext cx="9601200" cy="3809998"/>
+          </a:xfrm>
+        </p:spPr>
+        <p:txBody>
+          <a:bodyPr/>
+          <a:lstStyle/>
+          <a:p>
+            <a:pPr marL="0" marR="0" lvl="0" indent="0" defTabSz="914400" eaLnBrk="1" fontAlgn="auto" latinLnBrk="0" hangingPunct="1">
+              <a:lnSpc>
+                <a:spcPct val="100000"/>
+              </a:lnSpc>
+              <a:spcBef>
+                <a:spcPts val="0"/>
+              </a:spcBef>
+              <a:spcAft>
+                <a:spcPts val="0"/>
+              </a:spcAft>
+              <a:buClrTx/>
+              <a:buSzTx/>
+              <a:buFontTx/>
+              <a:buNone/>
+              <a:tabLst/>
+              <a:defRPr/>
+            </a:pPr>
+            <a:endParaRPr lang="en-US" dirty="0"/>
+          </a:p>
+        </p:txBody>
+      </p:sp>
+    </p:spTree>
+    <p:extLst>
+      <p:ext uri="{BB962C8B-B14F-4D97-AF65-F5344CB8AC3E}">
+        <p14:creationId xmlns:p14="http://schemas.microsoft.com/office/powerpoint/2010/main" val="1338484485"/>
+      </p:ext>
+    </p:extLst>
+  </p:cSld>
+  <p:clrMapOvr>
+    <a:masterClrMapping/>
+  </p:clrMapOvr>
+  <p:transition spd="med">
+    <p:fade/>
+  </p:transition>
+</p:sld>
+</file>
+
+<file path=ppt/slides/slide3.xml><?xml version="1.0" encoding="utf-8"?>
+<p:sld xmlns:a="http://schemas.openxmlformats.org/drawingml/2006/main" xmlns:r="http://schemas.openxmlformats.org/officeDocument/2006/relationships" xmlns:p="http://schemas.openxmlformats.org/presentationml/2006/main">
+  <p:cSld>
+    <p:spTree>
+      <p:nvGrpSpPr>
+        <p:cNvPr id="1" name="Shape 398"/>
+        <p:cNvGrpSpPr/>
+        <p:nvPr/>
+      </p:nvGrpSpPr>
+      <p:grpSpPr>
+        <a:xfrm>
+          <a:off x="0" y="0"/>
+          <a:ext cx="0" cy="0"/>
+          <a:chOff x="0" y="0"/>
+          <a:chExt cx="0" cy="0"/>
+        </a:xfrm>
+      </p:grpSpPr>
+      <p:sp>
+        <p:nvSpPr>
+          <p:cNvPr id="399" name="Shape 399"/>
+          <p:cNvSpPr txBox="1">
+            <a:spLocks noGrp="1"/>
+          </p:cNvSpPr>
+          <p:nvPr>
+            <p:ph type="title"/>
+          </p:nvPr>
+        </p:nvSpPr>
+        <p:spPr>
+          <a:xfrm>
+            <a:off x="0" y="0"/>
+            <a:ext cx="9601200" cy="611465"/>
+          </a:xfrm>
+          <a:prstGeom prst="rect">
+            <a:avLst/>
+          </a:prstGeom>
+          <a:noFill/>
+          <a:ln>
+            <a:noFill/>
+          </a:ln>
+        </p:spPr>
+        <p:txBody>
+          <a:bodyPr lIns="91425" tIns="45700" rIns="91425" bIns="45700" anchor="b" anchorCtr="0">
+            <a:noAutofit/>
+          </a:bodyPr>
+          <a:lstStyle/>
+          <a:p>
+            <a:pPr marL="0" marR="0" lvl="0" indent="0" algn="l" rtl="0">
+              <a:lnSpc>
+                <a:spcPct val="90000"/>
+              </a:lnSpc>
+              <a:spcBef>
+                <a:spcPts val="0"/>
+              </a:spcBef>
+              <a:buClr>
+                <a:schemeClr val="accent1"/>
+              </a:buClr>
+              <a:buSzPct val="25000"/>
+              <a:buFont typeface="Arial"/>
+              <a:buNone/>
+            </a:pPr>
+            <a:r>
+              <a:rPr lang="en-US" sz="3200" b="1" i="0" u="none" strike="noStrike" cap="none" dirty="0" smtClean="0">
+                <a:solidFill>
+                  <a:schemeClr val="accent1"/>
+                </a:solidFill>
+                <a:latin typeface="Arial"/>
+                <a:ea typeface="Arial"/>
+                <a:cs typeface="Arial"/>
+                <a:sym typeface="Arial"/>
+              </a:rPr>
+              <a:t>Roger’s </a:t>
+            </a:r>
+            <a:r>
+              <a:rPr lang="en-US" sz="3200" b="1" i="0" u="none" strike="noStrike" cap="none" dirty="0">
+                <a:solidFill>
+                  <a:schemeClr val="accent1"/>
+                </a:solidFill>
+                <a:latin typeface="Arial"/>
+                <a:ea typeface="Arial"/>
+                <a:cs typeface="Arial"/>
+                <a:sym typeface="Arial"/>
+              </a:rPr>
+              <a:t>Current Stage </a:t>
+            </a:r>
+          </a:p>
+        </p:txBody>
+      </p:sp>
+      <p:sp>
+        <p:nvSpPr>
+          <p:cNvPr id="402" name="Shape 402"/>
+          <p:cNvSpPr txBox="1"/>
+          <p:nvPr/>
+        </p:nvSpPr>
+        <p:spPr>
+          <a:xfrm>
+            <a:off x="6007444" y="5506598"/>
+            <a:ext cx="4363994" cy="3809998"/>
+          </a:xfrm>
+          <a:prstGeom prst="rect">
+            <a:avLst/>
+          </a:prstGeom>
+          <a:noFill/>
+          <a:ln>
+            <a:noFill/>
+          </a:ln>
+        </p:spPr>
+        <p:txBody>
+          <a:bodyPr lIns="91425" tIns="45700" rIns="91425" bIns="45700" anchor="t" anchorCtr="0">
+            <a:noAutofit/>
+          </a:bodyPr>
+          <a:lstStyle/>
+          <a:p>
+            <a:pPr marL="0" marR="0" lvl="0" indent="0" algn="l" rtl="0">
+              <a:lnSpc>
+                <a:spcPct val="90000"/>
+              </a:lnSpc>
+              <a:spcBef>
+                <a:spcPts val="1800"/>
+              </a:spcBef>
+              <a:buClr>
+                <a:schemeClr val="accent1"/>
+              </a:buClr>
+              <a:buSzPct val="25000"/>
+              <a:buFont typeface="Arial"/>
+              <a:buNone/>
+            </a:pPr>
+            <a:r>
+              <a:rPr lang="en-US" sz="2000" b="0" i="0" u="none" strike="noStrike" cap="none" dirty="0">
+                <a:solidFill>
+                  <a:schemeClr val="dk1"/>
+                </a:solidFill>
+                <a:latin typeface="Arial"/>
+                <a:ea typeface="Arial"/>
+                <a:cs typeface="Arial"/>
+                <a:sym typeface="Arial"/>
+              </a:rPr>
+              <a:t/>
+            </a:r>
+            <a:br>
+              <a:rPr lang="en-US" sz="2000" b="0" i="0" u="none" strike="noStrike" cap="none" dirty="0">
+                <a:solidFill>
+                  <a:schemeClr val="dk1"/>
+                </a:solidFill>
+                <a:latin typeface="Arial"/>
+                <a:ea typeface="Arial"/>
+                <a:cs typeface="Arial"/>
+                <a:sym typeface="Arial"/>
+              </a:rPr>
+            </a:br>
+            <a:endParaRPr lang="en-US" sz="2000" b="0" i="0" u="none" strike="noStrike" cap="none" dirty="0">
+              <a:solidFill>
+                <a:schemeClr val="dk1"/>
+              </a:solidFill>
+              <a:latin typeface="Arial"/>
+              <a:ea typeface="Arial"/>
+              <a:cs typeface="Arial"/>
+              <a:sym typeface="Arial"/>
+            </a:endParaRPr>
+          </a:p>
+        </p:txBody>
+      </p:sp>
+      <p:pic>
+        <p:nvPicPr>
+          <p:cNvPr id="3" name="Picture 2"/>
+          <p:cNvPicPr>
+            <a:picLocks noChangeAspect="1"/>
+          </p:cNvPicPr>
+          <p:nvPr/>
+        </p:nvPicPr>
+        <p:blipFill>
+          <a:blip r:embed="rId3">
+            <a:extLst>
+              <a:ext uri="{28A0092B-C50C-407E-A947-70E740481C1C}">
+                <a14:useLocalDpi xmlns:a14="http://schemas.microsoft.com/office/drawing/2010/main" val="0"/>
+              </a:ext>
+            </a:extLst>
+          </a:blip>
+          <a:stretch>
+            <a:fillRect/>
+          </a:stretch>
+        </p:blipFill>
+        <p:spPr>
+          <a:xfrm rot="5400000">
+            <a:off x="3139744" y="1397599"/>
+            <a:ext cx="5303877" cy="3977908"/>
+          </a:xfrm>
+          <a:prstGeom prst="rect">
+            <a:avLst/>
+          </a:prstGeom>
+        </p:spPr>
+      </p:pic>
+      <p:cxnSp>
+        <p:nvCxnSpPr>
+          <p:cNvPr id="5" name="Straight Arrow Connector 4"/>
+          <p:cNvCxnSpPr/>
+          <p:nvPr/>
+        </p:nvCxnSpPr>
+        <p:spPr>
+          <a:xfrm flipH="1">
+            <a:off x="2587925" y="4106174"/>
+            <a:ext cx="2053086" cy="500332"/>
+          </a:xfrm>
+          <a:prstGeom prst="straightConnector1">
+            <a:avLst/>
+          </a:prstGeom>
+          <a:ln>
+            <a:tailEnd type="triangle"/>
+          </a:ln>
+        </p:spPr>
+        <p:style>
+          <a:lnRef idx="3">
+            <a:schemeClr val="accent1"/>
+          </a:lnRef>
+          <a:fillRef idx="0">
+            <a:schemeClr val="accent1"/>
+          </a:fillRef>
+          <a:effectRef idx="2">
+            <a:schemeClr val="accent1"/>
+          </a:effectRef>
+          <a:fontRef idx="minor">
+            <a:schemeClr val="tx1"/>
+          </a:fontRef>
+        </p:style>
+      </p:cxnSp>
+      <p:cxnSp>
+        <p:nvCxnSpPr>
+          <p:cNvPr id="11" name="Straight Arrow Connector 10"/>
+          <p:cNvCxnSpPr/>
+          <p:nvPr/>
+        </p:nvCxnSpPr>
+        <p:spPr>
+          <a:xfrm flipV="1">
+            <a:off x="6504317" y="2258098"/>
+            <a:ext cx="2674189" cy="600089"/>
+          </a:xfrm>
+          <a:prstGeom prst="straightConnector1">
+            <a:avLst/>
+          </a:prstGeom>
+          <a:ln>
+            <a:tailEnd type="triangle"/>
+          </a:ln>
+        </p:spPr>
+        <p:style>
+          <a:lnRef idx="3">
+            <a:schemeClr val="accent1"/>
+          </a:lnRef>
+          <a:fillRef idx="0">
+            <a:schemeClr val="accent1"/>
+          </a:fillRef>
+          <a:effectRef idx="2">
+            <a:schemeClr val="accent1"/>
+          </a:effectRef>
+          <a:fontRef idx="minor">
+            <a:schemeClr val="tx1"/>
+          </a:fontRef>
+        </p:style>
+      </p:cxnSp>
+      <p:cxnSp>
+        <p:nvCxnSpPr>
+          <p:cNvPr id="15" name="Straight Arrow Connector 14"/>
+          <p:cNvCxnSpPr/>
+          <p:nvPr/>
+        </p:nvCxnSpPr>
+        <p:spPr>
+          <a:xfrm>
+            <a:off x="5520906" y="4161410"/>
+            <a:ext cx="3657600" cy="738394"/>
+          </a:xfrm>
+          <a:prstGeom prst="straightConnector1">
+            <a:avLst/>
+          </a:prstGeom>
+          <a:ln>
+            <a:tailEnd type="triangle"/>
+          </a:ln>
+        </p:spPr>
+        <p:style>
+          <a:lnRef idx="3">
+            <a:schemeClr val="accent1"/>
+          </a:lnRef>
+          <a:fillRef idx="0">
+            <a:schemeClr val="accent1"/>
+          </a:fillRef>
+          <a:effectRef idx="2">
+            <a:schemeClr val="accent1"/>
+          </a:effectRef>
+          <a:fontRef idx="minor">
+            <a:schemeClr val="tx1"/>
+          </a:fontRef>
+        </p:style>
+      </p:cxnSp>
+      <p:sp>
+        <p:nvSpPr>
+          <p:cNvPr id="13" name="TextBox 12"/>
+          <p:cNvSpPr txBox="1"/>
+          <p:nvPr/>
+        </p:nvSpPr>
+        <p:spPr>
+          <a:xfrm>
+            <a:off x="1211928" y="4574774"/>
+            <a:ext cx="1284056" cy="584775"/>
+          </a:xfrm>
+          <a:prstGeom prst="rect">
+            <a:avLst/>
+          </a:prstGeom>
+          <a:noFill/>
+        </p:spPr>
+        <p:txBody>
+          <a:bodyPr wrap="square" rtlCol="0">
+            <a:spAutoFit/>
+          </a:bodyPr>
+          <a:lstStyle/>
+          <a:p>
+            <a:pPr algn="ctr"/>
+            <a:r>
+              <a:rPr lang="en-US" altLang="zh-CN" sz="1600" dirty="0" smtClean="0"/>
+              <a:t>MPU-9250</a:t>
+            </a:r>
+          </a:p>
+          <a:p>
+            <a:pPr algn="ctr"/>
+            <a:r>
+              <a:rPr lang="en-US" sz="1600" dirty="0" smtClean="0"/>
+              <a:t>(IMU)</a:t>
+            </a:r>
+            <a:endParaRPr lang="en-US" sz="1600" dirty="0"/>
+          </a:p>
+        </p:txBody>
+      </p:sp>
+      <p:sp>
+        <p:nvSpPr>
+          <p:cNvPr id="18" name="TextBox 17"/>
+          <p:cNvSpPr txBox="1"/>
+          <p:nvPr/>
+        </p:nvSpPr>
+        <p:spPr>
+          <a:xfrm>
+            <a:off x="9207334" y="1833230"/>
+            <a:ext cx="1817223" cy="584775"/>
+          </a:xfrm>
+          <a:prstGeom prst="rect">
+            <a:avLst/>
+          </a:prstGeom>
+          <a:noFill/>
+        </p:spPr>
+        <p:txBody>
+          <a:bodyPr wrap="square" rtlCol="0">
+            <a:spAutoFit/>
+          </a:bodyPr>
+          <a:lstStyle/>
+          <a:p>
+            <a:pPr algn="ctr"/>
+            <a:r>
+              <a:rPr lang="en-US" altLang="zh-CN" sz="1600" dirty="0" smtClean="0"/>
+              <a:t>Metro Mini 328</a:t>
+            </a:r>
+          </a:p>
+          <a:p>
+            <a:pPr algn="ctr"/>
+            <a:r>
+              <a:rPr lang="en-US" sz="1600" dirty="0" smtClean="0"/>
+              <a:t>(Microcontroller)</a:t>
+            </a:r>
+            <a:endParaRPr lang="en-US" sz="1600" dirty="0"/>
+          </a:p>
+        </p:txBody>
+      </p:sp>
+      <p:sp>
+        <p:nvSpPr>
+          <p:cNvPr id="19" name="TextBox 18"/>
+          <p:cNvSpPr txBox="1"/>
+          <p:nvPr/>
+        </p:nvSpPr>
+        <p:spPr>
+          <a:xfrm>
+            <a:off x="9178506" y="4664727"/>
+            <a:ext cx="1817223" cy="338554"/>
+          </a:xfrm>
+          <a:prstGeom prst="rect">
+            <a:avLst/>
+          </a:prstGeom>
+          <a:noFill/>
+        </p:spPr>
+        <p:txBody>
+          <a:bodyPr wrap="square" rtlCol="0">
+            <a:spAutoFit/>
+          </a:bodyPr>
+          <a:lstStyle/>
+          <a:p>
+            <a:pPr algn="ctr"/>
+            <a:r>
+              <a:rPr lang="en-US" altLang="zh-CN" sz="1600" dirty="0" smtClean="0"/>
+              <a:t>I2C Protocol Pins</a:t>
+            </a:r>
+            <a:endParaRPr lang="en-US" sz="1600" dirty="0"/>
+          </a:p>
+        </p:txBody>
+      </p:sp>
+    </p:spTree>
+  </p:cSld>
+  <p:clrMapOvr>
+    <a:masterClrMapping/>
+  </p:clrMapOvr>
+  <p:transition spd="med">
+    <p:fade/>
+  </p:transition>
+</p:sld>
+</file>
+
+<file path=ppt/slides/slide4.xml><?xml version="1.0" encoding="utf-8"?>
+<p:sld xmlns:a="http://schemas.openxmlformats.org/drawingml/2006/main" xmlns:r="http://schemas.openxmlformats.org/officeDocument/2006/relationships" xmlns:p="http://schemas.openxmlformats.org/presentationml/2006/main">
+  <p:cSld>
+    <p:spTree>
+      <p:nvGrpSpPr>
+        <p:cNvPr id="1" name="Shape 398"/>
+        <p:cNvGrpSpPr/>
+        <p:nvPr/>
+      </p:nvGrpSpPr>
+      <p:grpSpPr>
+        <a:xfrm>
+          <a:off x="0" y="0"/>
+          <a:ext cx="0" cy="0"/>
+          <a:chOff x="0" y="0"/>
+          <a:chExt cx="0" cy="0"/>
+        </a:xfrm>
+      </p:grpSpPr>
+      <p:sp>
+        <p:nvSpPr>
+          <p:cNvPr id="402" name="Shape 402"/>
+          <p:cNvSpPr txBox="1"/>
+          <p:nvPr/>
+        </p:nvSpPr>
+        <p:spPr>
+          <a:xfrm>
+            <a:off x="6007444" y="5506598"/>
+            <a:ext cx="4363994" cy="3809998"/>
+          </a:xfrm>
+          <a:prstGeom prst="rect">
+            <a:avLst/>
+          </a:prstGeom>
+          <a:noFill/>
+          <a:ln>
+            <a:noFill/>
+          </a:ln>
+        </p:spPr>
+        <p:txBody>
+          <a:bodyPr lIns="91425" tIns="45700" rIns="91425" bIns="45700" anchor="t" anchorCtr="0">
+            <a:noAutofit/>
+          </a:bodyPr>
+          <a:lstStyle/>
+          <a:p>
+            <a:pPr marL="0" marR="0" lvl="0" indent="0" algn="l" rtl="0">
+              <a:lnSpc>
+                <a:spcPct val="90000"/>
+              </a:lnSpc>
+              <a:spcBef>
+                <a:spcPts val="1800"/>
+              </a:spcBef>
+              <a:buClr>
+                <a:schemeClr val="accent1"/>
+              </a:buClr>
+              <a:buSzPct val="25000"/>
+              <a:buFont typeface="Arial"/>
+              <a:buNone/>
+            </a:pPr>
+            <a:r>
+              <a:rPr lang="en-US" sz="2000" b="0" i="0" u="none" strike="noStrike" cap="none" dirty="0">
+                <a:solidFill>
+                  <a:schemeClr val="dk1"/>
+                </a:solidFill>
+                <a:latin typeface="Arial"/>
+                <a:ea typeface="Arial"/>
+                <a:cs typeface="Arial"/>
+                <a:sym typeface="Arial"/>
+              </a:rPr>
+              <a:t/>
+            </a:r>
+            <a:br>
+              <a:rPr lang="en-US" sz="2000" b="0" i="0" u="none" strike="noStrike" cap="none" dirty="0">
+                <a:solidFill>
+                  <a:schemeClr val="dk1"/>
+                </a:solidFill>
+                <a:latin typeface="Arial"/>
+                <a:ea typeface="Arial"/>
+                <a:cs typeface="Arial"/>
+                <a:sym typeface="Arial"/>
+              </a:rPr>
+            </a:br>
+            <a:endParaRPr lang="en-US" sz="2000" b="0" i="0" u="none" strike="noStrike" cap="none" dirty="0">
+              <a:solidFill>
+                <a:schemeClr val="dk1"/>
+              </a:solidFill>
+              <a:latin typeface="Arial"/>
+              <a:ea typeface="Arial"/>
+              <a:cs typeface="Arial"/>
+              <a:sym typeface="Arial"/>
+            </a:endParaRPr>
+          </a:p>
+        </p:txBody>
+      </p:sp>
+      <p:pic>
+        <p:nvPicPr>
+          <p:cNvPr id="4" name="Picture 3"/>
+          <p:cNvPicPr>
+            <a:picLocks noChangeAspect="1"/>
+          </p:cNvPicPr>
+          <p:nvPr/>
+        </p:nvPicPr>
+        <p:blipFill>
+          <a:blip r:embed="rId3">
+            <a:extLst>
+              <a:ext uri="{28A0092B-C50C-407E-A947-70E740481C1C}">
+                <a14:useLocalDpi xmlns:a14="http://schemas.microsoft.com/office/drawing/2010/main" val="0"/>
+              </a:ext>
+            </a:extLst>
+          </a:blip>
+          <a:stretch>
+            <a:fillRect/>
+          </a:stretch>
+        </p:blipFill>
+        <p:spPr>
+          <a:xfrm>
+            <a:off x="917859" y="203886"/>
+            <a:ext cx="10179170" cy="6361981"/>
+          </a:xfrm>
+          <a:prstGeom prst="rect">
+            <a:avLst/>
+          </a:prstGeom>
+        </p:spPr>
+      </p:pic>
+    </p:spTree>
+    <p:extLst>
+      <p:ext uri="{BB962C8B-B14F-4D97-AF65-F5344CB8AC3E}">
+        <p14:creationId xmlns:p14="http://schemas.microsoft.com/office/powerpoint/2010/main" val="781372510"/>
+      </p:ext>
+    </p:extLst>
+  </p:cSld>
+  <p:clrMapOvr>
+    <a:masterClrMapping/>
+  </p:clrMapOvr>
+  <p:transition spd="med">
+    <p:fade/>
+  </p:transition>
+</p:sld>
+</file>
+
+<file path=ppt/slides/slide5.xml><?xml version="1.0" encoding="utf-8"?>
+<p:sld xmlns:a="http://schemas.openxmlformats.org/drawingml/2006/main" xmlns:r="http://schemas.openxmlformats.org/officeDocument/2006/relationships" xmlns:p="http://schemas.openxmlformats.org/presentationml/2006/main">
+  <p:cSld>
+    <p:spTree>
+      <p:nvGrpSpPr>
+        <p:cNvPr id="1" name="Shape 398"/>
+        <p:cNvGrpSpPr/>
+        <p:nvPr/>
+      </p:nvGrpSpPr>
+      <p:grpSpPr>
+        <a:xfrm>
+          <a:off x="0" y="0"/>
+          <a:ext cx="0" cy="0"/>
+          <a:chOff x="0" y="0"/>
+          <a:chExt cx="0" cy="0"/>
+        </a:xfrm>
+      </p:grpSpPr>
+      <p:sp>
+        <p:nvSpPr>
+          <p:cNvPr id="399" name="Shape 399"/>
+          <p:cNvSpPr txBox="1">
+            <a:spLocks noGrp="1"/>
+          </p:cNvSpPr>
+          <p:nvPr>
+            <p:ph type="title"/>
+          </p:nvPr>
+        </p:nvSpPr>
+        <p:spPr>
+          <a:xfrm>
+            <a:off x="171675" y="155276"/>
+            <a:ext cx="9601200" cy="720007"/>
+          </a:xfrm>
+          <a:prstGeom prst="rect">
+            <a:avLst/>
+          </a:prstGeom>
+          <a:noFill/>
+          <a:ln>
+            <a:noFill/>
+          </a:ln>
+        </p:spPr>
+        <p:txBody>
+          <a:bodyPr lIns="91425" tIns="45700" rIns="91425" bIns="45700" anchor="b" anchorCtr="0">
+            <a:noAutofit/>
+          </a:bodyPr>
+          <a:lstStyle/>
+          <a:p>
+            <a:pPr marL="0" marR="0" lvl="0" indent="0" algn="l" rtl="0">
+              <a:lnSpc>
+                <a:spcPct val="90000"/>
+              </a:lnSpc>
+              <a:spcBef>
+                <a:spcPts val="0"/>
+              </a:spcBef>
+              <a:buClr>
+                <a:schemeClr val="accent1"/>
+              </a:buClr>
+              <a:buSzPct val="25000"/>
+              <a:buFont typeface="Arial"/>
+              <a:buNone/>
+            </a:pPr>
+            <a:r>
+              <a:rPr lang="en-US" sz="3200" b="1" i="0" u="none" strike="noStrike" cap="none" dirty="0" smtClean="0">
+                <a:solidFill>
+                  <a:schemeClr val="accent1"/>
+                </a:solidFill>
+                <a:latin typeface="Arial"/>
+                <a:ea typeface="Arial"/>
+                <a:cs typeface="Arial"/>
+                <a:sym typeface="Arial"/>
+              </a:rPr>
+              <a:t>Roger’s Leftover</a:t>
+            </a:r>
+            <a:endParaRPr lang="en-US" sz="3200" b="1" i="0" u="none" strike="noStrike" cap="none" dirty="0">
+              <a:solidFill>
+                <a:schemeClr val="accent1"/>
+              </a:solidFill>
+              <a:latin typeface="Arial"/>
+              <a:ea typeface="Arial"/>
+              <a:cs typeface="Arial"/>
+              <a:sym typeface="Arial"/>
+            </a:endParaRPr>
+          </a:p>
+        </p:txBody>
+      </p:sp>
+      <p:sp>
+        <p:nvSpPr>
+          <p:cNvPr id="402" name="Shape 402"/>
+          <p:cNvSpPr txBox="1"/>
+          <p:nvPr/>
+        </p:nvSpPr>
+        <p:spPr>
+          <a:xfrm>
+            <a:off x="6007444" y="5506598"/>
+            <a:ext cx="4363994" cy="3809998"/>
+          </a:xfrm>
+          <a:prstGeom prst="rect">
+            <a:avLst/>
+          </a:prstGeom>
+          <a:noFill/>
+          <a:ln>
+            <a:noFill/>
+          </a:ln>
+        </p:spPr>
+        <p:txBody>
+          <a:bodyPr lIns="91425" tIns="45700" rIns="91425" bIns="45700" anchor="t" anchorCtr="0">
+            <a:noAutofit/>
+          </a:bodyPr>
+          <a:lstStyle/>
+          <a:p>
+            <a:pPr marL="0" marR="0" lvl="0" indent="0" algn="l" rtl="0">
+              <a:lnSpc>
+                <a:spcPct val="90000"/>
+              </a:lnSpc>
+              <a:spcBef>
+                <a:spcPts val="1800"/>
+              </a:spcBef>
+              <a:buClr>
+                <a:schemeClr val="accent1"/>
+              </a:buClr>
+              <a:buSzPct val="25000"/>
+              <a:buFont typeface="Arial"/>
+              <a:buNone/>
+            </a:pPr>
+            <a:r>
+              <a:rPr lang="en-US" sz="2000" b="0" i="0" u="none" strike="noStrike" cap="none" dirty="0">
+                <a:solidFill>
+                  <a:schemeClr val="dk1"/>
+                </a:solidFill>
+                <a:latin typeface="Arial"/>
+                <a:ea typeface="Arial"/>
+                <a:cs typeface="Arial"/>
+                <a:sym typeface="Arial"/>
+              </a:rPr>
+              <a:t/>
+            </a:r>
+            <a:br>
+              <a:rPr lang="en-US" sz="2000" b="0" i="0" u="none" strike="noStrike" cap="none" dirty="0">
+                <a:solidFill>
+                  <a:schemeClr val="dk1"/>
+                </a:solidFill>
+                <a:latin typeface="Arial"/>
+                <a:ea typeface="Arial"/>
+                <a:cs typeface="Arial"/>
+                <a:sym typeface="Arial"/>
+              </a:rPr>
+            </a:br>
+            <a:endParaRPr lang="en-US" sz="2000" b="0" i="0" u="none" strike="noStrike" cap="none" dirty="0">
+              <a:solidFill>
+                <a:schemeClr val="dk1"/>
+              </a:solidFill>
+              <a:latin typeface="Arial"/>
+              <a:ea typeface="Arial"/>
+              <a:cs typeface="Arial"/>
+              <a:sym typeface="Arial"/>
+            </a:endParaRPr>
+          </a:p>
+        </p:txBody>
+      </p:sp>
+      <p:sp>
+        <p:nvSpPr>
+          <p:cNvPr id="2" name="Text Placeholder 1"/>
+          <p:cNvSpPr>
+            <a:spLocks noGrp="1"/>
+          </p:cNvSpPr>
+          <p:nvPr>
+            <p:ph type="body" idx="1"/>
+          </p:nvPr>
+        </p:nvSpPr>
+        <p:spPr>
+          <a:xfrm>
+            <a:off x="1206844" y="1696600"/>
+            <a:ext cx="9601200" cy="3809998"/>
+          </a:xfrm>
+        </p:spPr>
+        <p:txBody>
+          <a:bodyPr/>
+          <a:lstStyle/>
+          <a:p>
+            <a:r>
+              <a:rPr lang="en-US" sz="2800" dirty="0"/>
+              <a:t>Add multiple IMUs onto single </a:t>
+            </a:r>
+            <a:r>
+              <a:rPr lang="en-US" sz="2800" dirty="0" smtClean="0"/>
+              <a:t>microcontroller</a:t>
+            </a:r>
+          </a:p>
+          <a:p>
+            <a:r>
+              <a:rPr lang="en-US" sz="2800" dirty="0"/>
+              <a:t>Get precise error of all IMUs/ </a:t>
+            </a:r>
+            <a:r>
+              <a:rPr lang="en-US" sz="2800" dirty="0" smtClean="0"/>
+              <a:t>sensors</a:t>
+            </a:r>
+          </a:p>
+          <a:p>
+            <a:r>
+              <a:rPr lang="en-US" sz="2800" dirty="0"/>
+              <a:t>Develop an alignment algorithm for aligning a group of quaternion data</a:t>
+            </a:r>
+            <a:r>
+              <a:rPr lang="en-US" sz="2800" dirty="0" smtClean="0"/>
+              <a:t>.</a:t>
+            </a:r>
+          </a:p>
+          <a:p>
+            <a:r>
+              <a:rPr lang="en-US" sz="2800" dirty="0"/>
+              <a:t>Develop demonstration interface.</a:t>
+            </a:r>
+          </a:p>
+        </p:txBody>
+      </p:sp>
+    </p:spTree>
+    <p:extLst>
+      <p:ext uri="{BB962C8B-B14F-4D97-AF65-F5344CB8AC3E}">
+        <p14:creationId xmlns:p14="http://schemas.microsoft.com/office/powerpoint/2010/main" val="2009564870"/>
+      </p:ext>
+    </p:extLst>
+  </p:cSld>
+  <p:clrMapOvr>
+    <a:masterClrMapping/>
+  </p:clrMapOvr>
+  <p:transition spd="med">
+    <p:fade/>
+  </p:transition>
+  <p:timing>
+    <p:tnLst>
+      <p:par>
+        <p:cTn id="1" dur="indefinite" restart="never" nodeType="tmRoot"/>
+      </p:par>
+    </p:tnLst>
+  </p:timing>
+</p:sld>
+</file>
+
+<file path=ppt/slides/slide6.xml><?xml version="1.0" encoding="utf-8"?>
+<p:sld xmlns:a="http://schemas.openxmlformats.org/drawingml/2006/main" xmlns:r="http://schemas.openxmlformats.org/officeDocument/2006/relationships" xmlns:p="http://schemas.openxmlformats.org/presentationml/2006/main">
+  <p:cSld>
+    <p:spTree>
+      <p:nvGrpSpPr>
+        <p:cNvPr id="1" name="Shape 398"/>
+        <p:cNvGrpSpPr/>
+        <p:nvPr/>
+      </p:nvGrpSpPr>
+      <p:grpSpPr>
+        <a:xfrm>
+          <a:off x="0" y="0"/>
+          <a:ext cx="0" cy="0"/>
+          <a:chOff x="0" y="0"/>
+          <a:chExt cx="0" cy="0"/>
+        </a:xfrm>
+      </p:grpSpPr>
+      <p:sp>
+        <p:nvSpPr>
+          <p:cNvPr id="399" name="Shape 399"/>
+          <p:cNvSpPr txBox="1">
+            <a:spLocks noGrp="1"/>
+          </p:cNvSpPr>
+          <p:nvPr>
+            <p:ph type="title"/>
+          </p:nvPr>
+        </p:nvSpPr>
+        <p:spPr>
+          <a:xfrm>
+            <a:off x="206180" y="345057"/>
+            <a:ext cx="9601200" cy="624800"/>
+          </a:xfrm>
+          <a:prstGeom prst="rect">
+            <a:avLst/>
+          </a:prstGeom>
+          <a:noFill/>
+          <a:ln>
+            <a:noFill/>
+          </a:ln>
+        </p:spPr>
+        <p:txBody>
+          <a:bodyPr lIns="91425" tIns="45700" rIns="91425" bIns="45700" anchor="b" anchorCtr="0">
+            <a:noAutofit/>
+          </a:bodyPr>
+          <a:lstStyle/>
+          <a:p>
+            <a:pPr marL="0" marR="0" lvl="0" indent="0" algn="l" rtl="0">
+              <a:lnSpc>
+                <a:spcPct val="90000"/>
+              </a:lnSpc>
+              <a:spcBef>
+                <a:spcPts val="0"/>
+              </a:spcBef>
+              <a:buClr>
+                <a:schemeClr val="accent1"/>
+              </a:buClr>
+              <a:buSzPct val="25000"/>
+              <a:buFont typeface="Arial"/>
+              <a:buNone/>
+            </a:pPr>
+            <a:r>
+              <a:rPr lang="en-US" sz="3200" b="1" i="0" u="none" strike="noStrike" cap="none" dirty="0" smtClean="0">
+                <a:solidFill>
+                  <a:schemeClr val="accent1"/>
+                </a:solidFill>
+                <a:latin typeface="Arial"/>
+                <a:ea typeface="Arial"/>
+                <a:cs typeface="Arial"/>
+                <a:sym typeface="Arial"/>
+              </a:rPr>
+              <a:t>Roger’s </a:t>
+            </a:r>
+            <a:r>
+              <a:rPr lang="en-US" sz="3200" b="1" i="0" u="none" strike="noStrike" cap="none" smtClean="0">
+                <a:solidFill>
+                  <a:schemeClr val="accent1"/>
+                </a:solidFill>
+                <a:latin typeface="Arial"/>
+                <a:ea typeface="Arial"/>
+                <a:cs typeface="Arial"/>
+                <a:sym typeface="Arial"/>
+              </a:rPr>
+              <a:t>Problems 1</a:t>
+            </a:r>
+            <a:endParaRPr lang="en-US" sz="3200" b="1" i="0" u="none" strike="noStrike" cap="none" dirty="0">
+              <a:solidFill>
+                <a:schemeClr val="accent1"/>
+              </a:solidFill>
+              <a:latin typeface="Arial"/>
+              <a:ea typeface="Arial"/>
+              <a:cs typeface="Arial"/>
+              <a:sym typeface="Arial"/>
+            </a:endParaRPr>
+          </a:p>
+        </p:txBody>
+      </p:sp>
+      <p:sp>
+        <p:nvSpPr>
+          <p:cNvPr id="402" name="Shape 402"/>
+          <p:cNvSpPr txBox="1"/>
+          <p:nvPr/>
+        </p:nvSpPr>
+        <p:spPr>
+          <a:xfrm>
+            <a:off x="6007444" y="5506598"/>
+            <a:ext cx="4363994" cy="3809998"/>
+          </a:xfrm>
+          <a:prstGeom prst="rect">
+            <a:avLst/>
+          </a:prstGeom>
+          <a:noFill/>
+          <a:ln>
+            <a:noFill/>
+          </a:ln>
+        </p:spPr>
+        <p:txBody>
+          <a:bodyPr lIns="91425" tIns="45700" rIns="91425" bIns="45700" anchor="t" anchorCtr="0">
+            <a:noAutofit/>
+          </a:bodyPr>
+          <a:lstStyle/>
+          <a:p>
+            <a:pPr marL="0" marR="0" lvl="0" indent="0" algn="l" rtl="0">
+              <a:lnSpc>
+                <a:spcPct val="90000"/>
+              </a:lnSpc>
+              <a:spcBef>
+                <a:spcPts val="1800"/>
+              </a:spcBef>
+              <a:buClr>
+                <a:schemeClr val="accent1"/>
+              </a:buClr>
+              <a:buSzPct val="25000"/>
+              <a:buFont typeface="Arial"/>
+              <a:buNone/>
+            </a:pPr>
+            <a:r>
+              <a:rPr lang="en-US" sz="2000" b="0" i="0" u="none" strike="noStrike" cap="none" dirty="0">
+                <a:solidFill>
+                  <a:schemeClr val="dk1"/>
+                </a:solidFill>
+                <a:latin typeface="Arial"/>
+                <a:ea typeface="Arial"/>
+                <a:cs typeface="Arial"/>
+                <a:sym typeface="Arial"/>
+              </a:rPr>
+              <a:t/>
+            </a:r>
+            <a:br>
+              <a:rPr lang="en-US" sz="2000" b="0" i="0" u="none" strike="noStrike" cap="none" dirty="0">
+                <a:solidFill>
+                  <a:schemeClr val="dk1"/>
+                </a:solidFill>
+                <a:latin typeface="Arial"/>
+                <a:ea typeface="Arial"/>
+                <a:cs typeface="Arial"/>
+                <a:sym typeface="Arial"/>
+              </a:rPr>
+            </a:br>
+            <a:endParaRPr lang="en-US" sz="2000" b="0" i="0" u="none" strike="noStrike" cap="none" dirty="0">
+              <a:solidFill>
+                <a:schemeClr val="dk1"/>
+              </a:solidFill>
+              <a:latin typeface="Arial"/>
+              <a:ea typeface="Arial"/>
+              <a:cs typeface="Arial"/>
+              <a:sym typeface="Arial"/>
+            </a:endParaRPr>
+          </a:p>
+        </p:txBody>
+      </p:sp>
+      <p:sp>
+        <p:nvSpPr>
+          <p:cNvPr id="3" name="Rectangle 2"/>
+          <p:cNvSpPr/>
+          <p:nvPr/>
+        </p:nvSpPr>
+        <p:spPr>
+          <a:xfrm>
+            <a:off x="206180" y="1232609"/>
+            <a:ext cx="7350560" cy="523220"/>
+          </a:xfrm>
+          <a:prstGeom prst="rect">
+            <a:avLst/>
+          </a:prstGeom>
+        </p:spPr>
+        <p:txBody>
+          <a:bodyPr wrap="square">
+            <a:spAutoFit/>
+          </a:bodyPr>
+          <a:lstStyle/>
+          <a:p>
+            <a:r>
+              <a:rPr lang="en-US" sz="2800" dirty="0"/>
+              <a:t>Knowing the actual error of the IMU/sensors. </a:t>
+            </a:r>
+          </a:p>
+        </p:txBody>
+      </p:sp>
+      <p:pic>
+        <p:nvPicPr>
+          <p:cNvPr id="5" name="Picture 4"/>
+          <p:cNvPicPr>
+            <a:picLocks noChangeAspect="1"/>
+          </p:cNvPicPr>
+          <p:nvPr/>
+        </p:nvPicPr>
+        <p:blipFill>
+          <a:blip r:embed="rId3">
+            <a:extLst>
+              <a:ext uri="{28A0092B-C50C-407E-A947-70E740481C1C}">
+                <a14:useLocalDpi xmlns:a14="http://schemas.microsoft.com/office/drawing/2010/main" val="0"/>
+              </a:ext>
+            </a:extLst>
+          </a:blip>
+          <a:stretch>
+            <a:fillRect/>
+          </a:stretch>
+        </p:blipFill>
+        <p:spPr>
+          <a:xfrm>
+            <a:off x="3689710" y="1881111"/>
+            <a:ext cx="4160328" cy="4045955"/>
+          </a:xfrm>
+          <a:prstGeom prst="rect">
+            <a:avLst/>
+          </a:prstGeom>
+        </p:spPr>
+      </p:pic>
+    </p:spTree>
+    <p:extLst>
+      <p:ext uri="{BB962C8B-B14F-4D97-AF65-F5344CB8AC3E}">
+        <p14:creationId xmlns:p14="http://schemas.microsoft.com/office/powerpoint/2010/main" val="279193084"/>
+      </p:ext>
+    </p:extLst>
+  </p:cSld>
+  <p:clrMapOvr>
+    <a:masterClrMapping/>
+  </p:clrMapOvr>
+  <p:transition spd="med">
+    <p:fade/>
+  </p:transition>
+  <p:timing>
+    <p:tnLst>
+      <p:par>
+        <p:cTn id="1" dur="indefinite" restart="never" nodeType="tmRoot"/>
+      </p:par>
+    </p:tnLst>
+  </p:timing>
+</p:sld>
+</file>
+
+<file path=ppt/slides/slide7.xml><?xml version="1.0" encoding="utf-8"?>
+<p:sld xmlns:a="http://schemas.openxmlformats.org/drawingml/2006/main" xmlns:r="http://schemas.openxmlformats.org/officeDocument/2006/relationships" xmlns:p="http://schemas.openxmlformats.org/presentationml/2006/main">
+  <p:cSld>
+    <p:spTree>
+      <p:nvGrpSpPr>
+        <p:cNvPr id="1" name="Shape 398"/>
+        <p:cNvGrpSpPr/>
+        <p:nvPr/>
+      </p:nvGrpSpPr>
+      <p:grpSpPr>
+        <a:xfrm>
+          <a:off x="0" y="0"/>
+          <a:ext cx="0" cy="0"/>
+          <a:chOff x="0" y="0"/>
+          <a:chExt cx="0" cy="0"/>
+        </a:xfrm>
+      </p:grpSpPr>
+      <p:sp>
+        <p:nvSpPr>
+          <p:cNvPr id="399" name="Shape 399"/>
+          <p:cNvSpPr txBox="1">
+            <a:spLocks noGrp="1"/>
+          </p:cNvSpPr>
+          <p:nvPr>
+            <p:ph type="title"/>
+          </p:nvPr>
+        </p:nvSpPr>
+        <p:spPr>
+          <a:xfrm>
+            <a:off x="206180" y="345057"/>
+            <a:ext cx="9601200" cy="624800"/>
+          </a:xfrm>
+          <a:prstGeom prst="rect">
+            <a:avLst/>
+          </a:prstGeom>
+          <a:noFill/>
+          <a:ln>
+            <a:noFill/>
+          </a:ln>
+        </p:spPr>
+        <p:txBody>
+          <a:bodyPr lIns="91425" tIns="45700" rIns="91425" bIns="45700" anchor="b" anchorCtr="0">
+            <a:noAutofit/>
+          </a:bodyPr>
+          <a:lstStyle/>
+          <a:p>
+            <a:pPr marL="0" marR="0" lvl="0" indent="0" algn="l" rtl="0">
+              <a:lnSpc>
+                <a:spcPct val="90000"/>
+              </a:lnSpc>
+              <a:spcBef>
+                <a:spcPts val="0"/>
+              </a:spcBef>
+              <a:buClr>
+                <a:schemeClr val="accent1"/>
+              </a:buClr>
+              <a:buSzPct val="25000"/>
+              <a:buFont typeface="Arial"/>
+              <a:buNone/>
+            </a:pPr>
+            <a:r>
+              <a:rPr lang="en-US" dirty="0" smtClean="0"/>
+              <a:t>Solution</a:t>
+            </a:r>
+            <a:endParaRPr lang="en-US" sz="3200" b="1" i="0" u="none" strike="noStrike" cap="none" dirty="0">
+              <a:solidFill>
+                <a:schemeClr val="accent1"/>
+              </a:solidFill>
+              <a:latin typeface="Arial"/>
+              <a:ea typeface="Arial"/>
+              <a:cs typeface="Arial"/>
+              <a:sym typeface="Arial"/>
+            </a:endParaRPr>
+          </a:p>
+        </p:txBody>
+      </p:sp>
+      <p:sp>
+        <p:nvSpPr>
+          <p:cNvPr id="402" name="Shape 402"/>
+          <p:cNvSpPr txBox="1"/>
+          <p:nvPr/>
+        </p:nvSpPr>
+        <p:spPr>
+          <a:xfrm>
+            <a:off x="6007444" y="5506598"/>
+            <a:ext cx="4363994" cy="3809998"/>
+          </a:xfrm>
+          <a:prstGeom prst="rect">
+            <a:avLst/>
+          </a:prstGeom>
+          <a:noFill/>
+          <a:ln>
+            <a:noFill/>
+          </a:ln>
+        </p:spPr>
+        <p:txBody>
+          <a:bodyPr lIns="91425" tIns="45700" rIns="91425" bIns="45700" anchor="t" anchorCtr="0">
+            <a:noAutofit/>
+          </a:bodyPr>
+          <a:lstStyle/>
+          <a:p>
+            <a:pPr marL="0" marR="0" lvl="0" indent="0" algn="l" rtl="0">
+              <a:lnSpc>
+                <a:spcPct val="90000"/>
+              </a:lnSpc>
+              <a:spcBef>
+                <a:spcPts val="1800"/>
+              </a:spcBef>
+              <a:buClr>
+                <a:schemeClr val="accent1"/>
+              </a:buClr>
+              <a:buSzPct val="25000"/>
+              <a:buFont typeface="Arial"/>
+              <a:buNone/>
+            </a:pPr>
+            <a:r>
+              <a:rPr lang="en-US" sz="2000" b="0" i="0" u="none" strike="noStrike" cap="none" dirty="0">
+                <a:solidFill>
+                  <a:schemeClr val="dk1"/>
+                </a:solidFill>
+                <a:latin typeface="Arial"/>
+                <a:ea typeface="Arial"/>
+                <a:cs typeface="Arial"/>
+                <a:sym typeface="Arial"/>
+              </a:rPr>
+              <a:t/>
+            </a:r>
+            <a:br>
+              <a:rPr lang="en-US" sz="2000" b="0" i="0" u="none" strike="noStrike" cap="none" dirty="0">
+                <a:solidFill>
+                  <a:schemeClr val="dk1"/>
+                </a:solidFill>
+                <a:latin typeface="Arial"/>
+                <a:ea typeface="Arial"/>
+                <a:cs typeface="Arial"/>
+                <a:sym typeface="Arial"/>
+              </a:rPr>
+            </a:br>
+            <a:endParaRPr lang="en-US" sz="2000" b="0" i="0" u="none" strike="noStrike" cap="none" dirty="0">
+              <a:solidFill>
+                <a:schemeClr val="dk1"/>
+              </a:solidFill>
+              <a:latin typeface="Arial"/>
+              <a:ea typeface="Arial"/>
+              <a:cs typeface="Arial"/>
+              <a:sym typeface="Arial"/>
+            </a:endParaRPr>
+          </a:p>
+        </p:txBody>
+      </p:sp>
+      <p:sp>
+        <p:nvSpPr>
+          <p:cNvPr id="3" name="Rectangle 2"/>
+          <p:cNvSpPr/>
+          <p:nvPr/>
+        </p:nvSpPr>
+        <p:spPr>
+          <a:xfrm>
+            <a:off x="2456820" y="395847"/>
+            <a:ext cx="7350560" cy="523220"/>
+          </a:xfrm>
+          <a:prstGeom prst="rect">
+            <a:avLst/>
+          </a:prstGeom>
+        </p:spPr>
+        <p:txBody>
+          <a:bodyPr wrap="square">
+            <a:spAutoFit/>
+          </a:bodyPr>
+          <a:lstStyle/>
+          <a:p>
+            <a:r>
+              <a:rPr lang="en-US" sz="2800" dirty="0"/>
+              <a:t>Knowing the actual error of the IMU/sensors. </a:t>
+            </a:r>
+          </a:p>
+        </p:txBody>
+      </p:sp>
+      <p:sp>
+        <p:nvSpPr>
+          <p:cNvPr id="2" name="Rectangle 1"/>
+          <p:cNvSpPr/>
+          <p:nvPr/>
+        </p:nvSpPr>
+        <p:spPr>
+          <a:xfrm>
+            <a:off x="1190445" y="1742537"/>
+            <a:ext cx="7953555" cy="954107"/>
+          </a:xfrm>
+          <a:prstGeom prst="rect">
+            <a:avLst/>
+          </a:prstGeom>
+        </p:spPr>
+        <p:txBody>
+          <a:bodyPr wrap="square">
+            <a:spAutoFit/>
+          </a:bodyPr>
+          <a:lstStyle/>
+          <a:p>
+            <a:r>
+              <a:rPr lang="en-US" dirty="0"/>
+              <a:t>A solution to measure the error is by comparing the actual alter angle with the sensor output data. An actual alter angle can be calculated by using a laser pointer and a mechanical angle adjuster ~\ref{</a:t>
+            </a:r>
+            <a:r>
+              <a:rPr lang="en-US" dirty="0" err="1"/>
+              <a:t>fig:widget</a:t>
+            </a:r>
+            <a:r>
+              <a:rPr lang="en-US" dirty="0"/>
+              <a:t>} for assistant tool, as well as applying trigonometric algorithm. Look at experimental design description for more detail.</a:t>
+            </a:r>
+          </a:p>
+        </p:txBody>
+      </p:sp>
+    </p:spTree>
+    <p:extLst>
+      <p:ext uri="{BB962C8B-B14F-4D97-AF65-F5344CB8AC3E}">
+        <p14:creationId xmlns:p14="http://schemas.microsoft.com/office/powerpoint/2010/main" val="805905713"/>
+      </p:ext>
+    </p:extLst>
+  </p:cSld>
+  <p:clrMapOvr>
+    <a:masterClrMapping/>
+  </p:clrMapOvr>
+  <p:transition spd="med">
+    <p:fade/>
+  </p:transition>
+  <p:timing>
+    <p:tnLst>
+      <p:par>
+        <p:cTn id="1" dur="indefinite" restart="never" nodeType="tmRoot"/>
+      </p:par>
+    </p:tnLst>
+  </p:timing>
+</p:sld>
+</file>
+
+<file path=ppt/slides/slide8.xml><?xml version="1.0" encoding="utf-8"?>
+<p:sld xmlns:a="http://schemas.openxmlformats.org/drawingml/2006/main" xmlns:r="http://schemas.openxmlformats.org/officeDocument/2006/relationships" xmlns:p="http://schemas.openxmlformats.org/presentationml/2006/main">
+  <p:cSld>
+    <p:spTree>
+      <p:nvGrpSpPr>
+        <p:cNvPr id="1" name="Shape 398"/>
+        <p:cNvGrpSpPr/>
+        <p:nvPr/>
+      </p:nvGrpSpPr>
+      <p:grpSpPr>
+        <a:xfrm>
+          <a:off x="0" y="0"/>
+          <a:ext cx="0" cy="0"/>
+          <a:chOff x="0" y="0"/>
+          <a:chExt cx="0" cy="0"/>
+        </a:xfrm>
+      </p:grpSpPr>
+      <p:sp>
+        <p:nvSpPr>
+          <p:cNvPr id="399" name="Shape 399"/>
+          <p:cNvSpPr txBox="1">
+            <a:spLocks noGrp="1"/>
+          </p:cNvSpPr>
+          <p:nvPr>
+            <p:ph type="title"/>
+          </p:nvPr>
+        </p:nvSpPr>
+        <p:spPr>
+          <a:xfrm>
+            <a:off x="257938" y="0"/>
+            <a:ext cx="9601200" cy="1142385"/>
+          </a:xfrm>
+          <a:prstGeom prst="rect">
+            <a:avLst/>
+          </a:prstGeom>
+          <a:noFill/>
+          <a:ln>
+            <a:noFill/>
+          </a:ln>
+        </p:spPr>
+        <p:txBody>
+          <a:bodyPr lIns="91425" tIns="45700" rIns="91425" bIns="45700" anchor="b" anchorCtr="0">
+            <a:noAutofit/>
+          </a:bodyPr>
+          <a:lstStyle/>
+          <a:p>
+            <a:pPr marL="0" marR="0" lvl="0" indent="0" algn="l" rtl="0">
+              <a:lnSpc>
+                <a:spcPct val="90000"/>
+              </a:lnSpc>
+              <a:spcBef>
+                <a:spcPts val="0"/>
+              </a:spcBef>
+              <a:buClr>
+                <a:schemeClr val="accent1"/>
+              </a:buClr>
+              <a:buSzPct val="25000"/>
+              <a:buFont typeface="Arial"/>
+              <a:buNone/>
+            </a:pPr>
+            <a:r>
+              <a:rPr lang="en-US" sz="3200" b="1" i="0" u="none" strike="noStrike" cap="none" dirty="0" smtClean="0">
+                <a:solidFill>
+                  <a:schemeClr val="accent1"/>
+                </a:solidFill>
+                <a:latin typeface="Arial"/>
+                <a:ea typeface="Arial"/>
+                <a:cs typeface="Arial"/>
+                <a:sym typeface="Arial"/>
+              </a:rPr>
+              <a:t>Sensor Error Measurement Experimental Design</a:t>
+            </a:r>
+            <a:endParaRPr lang="en-US" sz="3200" b="1" i="0" u="none" strike="noStrike" cap="none" dirty="0">
+              <a:solidFill>
+                <a:schemeClr val="accent1"/>
+              </a:solidFill>
+              <a:latin typeface="Arial"/>
+              <a:ea typeface="Arial"/>
+              <a:cs typeface="Arial"/>
+              <a:sym typeface="Arial"/>
+            </a:endParaRPr>
+          </a:p>
+        </p:txBody>
+      </p:sp>
+      <p:sp>
+        <p:nvSpPr>
+          <p:cNvPr id="402" name="Shape 402"/>
+          <p:cNvSpPr txBox="1"/>
+          <p:nvPr/>
+        </p:nvSpPr>
+        <p:spPr>
+          <a:xfrm>
+            <a:off x="6007444" y="5506598"/>
+            <a:ext cx="4363994" cy="3809998"/>
+          </a:xfrm>
+          <a:prstGeom prst="rect">
+            <a:avLst/>
+          </a:prstGeom>
+          <a:noFill/>
+          <a:ln>
+            <a:noFill/>
+          </a:ln>
+        </p:spPr>
+        <p:txBody>
+          <a:bodyPr lIns="91425" tIns="45700" rIns="91425" bIns="45700" anchor="t" anchorCtr="0">
+            <a:noAutofit/>
+          </a:bodyPr>
+          <a:lstStyle/>
+          <a:p>
+            <a:pPr marL="0" marR="0" lvl="0" indent="0" algn="l" rtl="0">
+              <a:lnSpc>
+                <a:spcPct val="90000"/>
+              </a:lnSpc>
+              <a:spcBef>
+                <a:spcPts val="1800"/>
+              </a:spcBef>
+              <a:buClr>
+                <a:schemeClr val="accent1"/>
+              </a:buClr>
+              <a:buSzPct val="25000"/>
+              <a:buFont typeface="Arial"/>
+              <a:buNone/>
+            </a:pPr>
+            <a:r>
+              <a:rPr lang="en-US" sz="2000" b="0" i="0" u="none" strike="noStrike" cap="none" dirty="0">
+                <a:solidFill>
+                  <a:schemeClr val="dk1"/>
+                </a:solidFill>
+                <a:latin typeface="Arial"/>
+                <a:ea typeface="Arial"/>
+                <a:cs typeface="Arial"/>
+                <a:sym typeface="Arial"/>
+              </a:rPr>
+              <a:t/>
+            </a:r>
+            <a:br>
+              <a:rPr lang="en-US" sz="2000" b="0" i="0" u="none" strike="noStrike" cap="none" dirty="0">
+                <a:solidFill>
+                  <a:schemeClr val="dk1"/>
+                </a:solidFill>
+                <a:latin typeface="Arial"/>
+                <a:ea typeface="Arial"/>
+                <a:cs typeface="Arial"/>
+                <a:sym typeface="Arial"/>
+              </a:rPr>
+            </a:br>
+            <a:endParaRPr lang="en-US" sz="2000" b="0" i="0" u="none" strike="noStrike" cap="none" dirty="0">
+              <a:solidFill>
+                <a:schemeClr val="dk1"/>
+              </a:solidFill>
+              <a:latin typeface="Arial"/>
+              <a:ea typeface="Arial"/>
+              <a:cs typeface="Arial"/>
+              <a:sym typeface="Arial"/>
+            </a:endParaRPr>
+          </a:p>
+        </p:txBody>
+      </p:sp>
+      <p:sp>
+        <p:nvSpPr>
+          <p:cNvPr id="2" name="Text Placeholder 1"/>
+          <p:cNvSpPr>
+            <a:spLocks noGrp="1"/>
+          </p:cNvSpPr>
+          <p:nvPr>
+            <p:ph type="body" idx="1"/>
+          </p:nvPr>
+        </p:nvSpPr>
+        <p:spPr/>
+        <p:txBody>
+          <a:bodyPr/>
+          <a:lstStyle/>
+          <a:p>
+            <a:endParaRPr lang="en-US"/>
+          </a:p>
+        </p:txBody>
+      </p:sp>
+    </p:spTree>
+    <p:extLst>
+      <p:ext uri="{BB962C8B-B14F-4D97-AF65-F5344CB8AC3E}">
+        <p14:creationId xmlns:p14="http://schemas.microsoft.com/office/powerpoint/2010/main" val="1576745236"/>
+      </p:ext>
+    </p:extLst>
+  </p:cSld>
+  <p:clrMapOvr>
+    <a:masterClrMapping/>
+  </p:clrMapOvr>
+  <p:transition spd="med">
+    <p:fade/>
+  </p:transition>
+  <p:timing>
+    <p:tnLst>
+      <p:par>
+        <p:cTn id="1" dur="indefinite" restart="never" nodeType="tmRoot"/>
+      </p:par>
+    </p:tnLst>
+  </p:timing>
+</p:sld>
+</file>
+
+<file path=ppt/slides/slide9.xml><?xml version="1.0" encoding="utf-8"?>
+<p:sld xmlns:a="http://schemas.openxmlformats.org/drawingml/2006/main" xmlns:r="http://schemas.openxmlformats.org/officeDocument/2006/relationships" xmlns:p="http://schemas.openxmlformats.org/presentationml/2006/main">
+  <p:cSld>
+    <p:spTree>
+      <p:nvGrpSpPr>
+        <p:cNvPr id="1" name="Shape 398"/>
+        <p:cNvGrpSpPr/>
+        <p:nvPr/>
+      </p:nvGrpSpPr>
+      <p:grpSpPr>
+        <a:xfrm>
+          <a:off x="0" y="0"/>
+          <a:ext cx="0" cy="0"/>
+          <a:chOff x="0" y="0"/>
+          <a:chExt cx="0" cy="0"/>
+        </a:xfrm>
+      </p:grpSpPr>
+      <p:sp>
+        <p:nvSpPr>
+          <p:cNvPr id="399" name="Shape 399"/>
+          <p:cNvSpPr txBox="1">
+            <a:spLocks noGrp="1"/>
+          </p:cNvSpPr>
+          <p:nvPr>
+            <p:ph type="title"/>
+          </p:nvPr>
+        </p:nvSpPr>
+        <p:spPr>
+          <a:xfrm>
+            <a:off x="1206844" y="164218"/>
+            <a:ext cx="9601200" cy="1142385"/>
+          </a:xfrm>
+          <a:prstGeom prst="rect">
+            <a:avLst/>
+          </a:prstGeom>
+          <a:noFill/>
+          <a:ln>
+            <a:noFill/>
+          </a:ln>
+        </p:spPr>
+        <p:txBody>
+          <a:bodyPr lIns="91425" tIns="45700" rIns="91425" bIns="45700" anchor="b" anchorCtr="0">
+            <a:noAutofit/>
+          </a:bodyPr>
+          <a:lstStyle/>
+          <a:p>
+            <a:pPr marL="0" marR="0" lvl="0" indent="0" algn="l" rtl="0">
+              <a:lnSpc>
+                <a:spcPct val="90000"/>
+              </a:lnSpc>
+              <a:spcBef>
+                <a:spcPts val="0"/>
+              </a:spcBef>
+              <a:buClr>
+                <a:schemeClr val="accent1"/>
+              </a:buClr>
+              <a:buSzPct val="25000"/>
+              <a:buFont typeface="Arial"/>
+              <a:buNone/>
+            </a:pPr>
+            <a:r>
+              <a:rPr lang="en-US" sz="3200" b="1" i="0" u="none" strike="noStrike" cap="none" dirty="0" err="1">
+                <a:solidFill>
+                  <a:schemeClr val="accent1"/>
+                </a:solidFill>
+                <a:latin typeface="Arial"/>
+                <a:ea typeface="Arial"/>
+                <a:cs typeface="Arial"/>
+                <a:sym typeface="Arial"/>
+              </a:rPr>
+              <a:t>Krisna’s</a:t>
+            </a:r>
+            <a:r>
+              <a:rPr lang="en-US" sz="3200" b="1" i="0" u="none" strike="noStrike" cap="none" dirty="0">
+                <a:solidFill>
+                  <a:schemeClr val="accent1"/>
+                </a:solidFill>
+                <a:latin typeface="Arial"/>
+                <a:ea typeface="Arial"/>
+                <a:cs typeface="Arial"/>
+                <a:sym typeface="Arial"/>
+              </a:rPr>
+              <a:t> Current Stage </a:t>
+            </a:r>
+          </a:p>
+        </p:txBody>
+      </p:sp>
+      <p:sp>
+        <p:nvSpPr>
+          <p:cNvPr id="400" name="Shape 400"/>
+          <p:cNvSpPr txBox="1">
+            <a:spLocks noGrp="1"/>
+          </p:cNvSpPr>
+          <p:nvPr>
+            <p:ph type="body" idx="1"/>
+          </p:nvPr>
+        </p:nvSpPr>
+        <p:spPr>
+          <a:xfrm>
+            <a:off x="1295400" y="1497247"/>
+            <a:ext cx="4363994" cy="3809998"/>
+          </a:xfrm>
+          <a:prstGeom prst="rect">
+            <a:avLst/>
+          </a:prstGeom>
+          <a:noFill/>
+          <a:ln>
+            <a:noFill/>
+          </a:ln>
+        </p:spPr>
+        <p:txBody>
+          <a:bodyPr lIns="91425" tIns="45700" rIns="91425" bIns="45700" anchor="t" anchorCtr="0">
+            <a:noAutofit/>
+          </a:bodyPr>
+          <a:lstStyle/>
+          <a:p>
+            <a:pPr marL="342900" indent="-342900">
+              <a:spcBef>
+                <a:spcPts val="0"/>
+              </a:spcBef>
+            </a:pPr>
+            <a:r>
+              <a:rPr lang="en-US" dirty="0"/>
+              <a:t>I am at the stage of connecting the graphical user interface that I created in Visual Studio to the offset algorithm part of the software created in Arduino by my teammates.</a:t>
+            </a:r>
+          </a:p>
+          <a:p>
+            <a:pPr marL="342900" indent="-342900">
+              <a:spcBef>
+                <a:spcPts val="0"/>
+              </a:spcBef>
+            </a:pPr>
+            <a:endParaRPr lang="en-US" dirty="0"/>
+          </a:p>
+          <a:p>
+            <a:pPr marL="342900" indent="-342900">
+              <a:spcBef>
+                <a:spcPts val="0"/>
+              </a:spcBef>
+            </a:pPr>
+            <a:r>
+              <a:rPr lang="en-US" dirty="0"/>
+              <a:t>The graphical user interface run smoothly and ready to be connected. </a:t>
+            </a:r>
+          </a:p>
+          <a:p>
+            <a:pPr marL="342900" indent="-342900">
+              <a:spcBef>
+                <a:spcPts val="0"/>
+              </a:spcBef>
+            </a:pPr>
+            <a:endParaRPr lang="en-US" dirty="0"/>
+          </a:p>
+          <a:p>
+            <a:pPr marL="342900" indent="-342900">
+              <a:spcBef>
+                <a:spcPts val="0"/>
+              </a:spcBef>
+            </a:pPr>
+            <a:r>
+              <a:rPr lang="en-US" dirty="0"/>
+              <a:t>Will need to do the first user study with the clients. </a:t>
+            </a:r>
+          </a:p>
+          <a:p>
+            <a:pPr marL="342900" indent="-342900">
+              <a:spcBef>
+                <a:spcPts val="0"/>
+              </a:spcBef>
+            </a:pPr>
+            <a:endParaRPr lang="en-US" dirty="0"/>
+          </a:p>
+          <a:p>
+            <a:pPr lvl="0" indent="-228600">
+              <a:spcBef>
+                <a:spcPts val="0"/>
+              </a:spcBef>
+            </a:pPr>
+            <a:endParaRPr sz="2000" b="0" i="0" u="none" strike="noStrike" cap="none" dirty="0">
+              <a:solidFill>
+                <a:schemeClr val="dk1"/>
+              </a:solidFill>
+              <a:latin typeface="Arial"/>
+              <a:ea typeface="Arial"/>
+              <a:cs typeface="Arial"/>
+              <a:sym typeface="Arial"/>
+            </a:endParaRPr>
+          </a:p>
+        </p:txBody>
+      </p:sp>
+      <p:sp>
+        <p:nvSpPr>
+          <p:cNvPr id="402" name="Shape 402"/>
+          <p:cNvSpPr txBox="1"/>
+          <p:nvPr/>
+        </p:nvSpPr>
+        <p:spPr>
+          <a:xfrm>
+            <a:off x="6007444" y="5506598"/>
+            <a:ext cx="4363994" cy="3809998"/>
+          </a:xfrm>
+          <a:prstGeom prst="rect">
+            <a:avLst/>
+          </a:prstGeom>
+          <a:noFill/>
+          <a:ln>
+            <a:noFill/>
+          </a:ln>
+        </p:spPr>
+        <p:txBody>
+          <a:bodyPr lIns="91425" tIns="45700" rIns="91425" bIns="45700" anchor="t" anchorCtr="0">
+            <a:noAutofit/>
+          </a:bodyPr>
+          <a:lstStyle/>
+          <a:p>
+            <a:pPr marL="0" marR="0" lvl="0" indent="0" algn="l" rtl="0">
+              <a:lnSpc>
+                <a:spcPct val="90000"/>
+              </a:lnSpc>
+              <a:spcBef>
+                <a:spcPts val="1800"/>
+              </a:spcBef>
+              <a:buClr>
+                <a:schemeClr val="accent1"/>
+              </a:buClr>
+              <a:buSzPct val="25000"/>
+              <a:buFont typeface="Arial"/>
+              <a:buNone/>
+            </a:pPr>
+            <a:r>
+              <a:rPr lang="en-US" sz="2000" b="0" i="0" u="none" strike="noStrike" cap="none" dirty="0">
+                <a:solidFill>
+                  <a:schemeClr val="dk1"/>
+                </a:solidFill>
+                <a:latin typeface="Arial"/>
+                <a:ea typeface="Arial"/>
+                <a:cs typeface="Arial"/>
+                <a:sym typeface="Arial"/>
+              </a:rPr>
+              <a:t/>
+            </a:r>
+            <a:br>
+              <a:rPr lang="en-US" sz="2000" b="0" i="0" u="none" strike="noStrike" cap="none" dirty="0">
+                <a:solidFill>
+                  <a:schemeClr val="dk1"/>
+                </a:solidFill>
+                <a:latin typeface="Arial"/>
+                <a:ea typeface="Arial"/>
+                <a:cs typeface="Arial"/>
+                <a:sym typeface="Arial"/>
+              </a:rPr>
+            </a:br>
+            <a:endParaRPr lang="en-US" sz="2000" b="0" i="0" u="none" strike="noStrike" cap="none" dirty="0">
+              <a:solidFill>
+                <a:schemeClr val="dk1"/>
+              </a:solidFill>
+              <a:latin typeface="Arial"/>
+              <a:ea typeface="Arial"/>
+              <a:cs typeface="Arial"/>
+              <a:sym typeface="Arial"/>
+            </a:endParaRPr>
+          </a:p>
+        </p:txBody>
+      </p:sp>
+      <p:pic>
+        <p:nvPicPr>
+          <p:cNvPr id="6" name="Picture 5"/>
+          <p:cNvPicPr/>
+          <p:nvPr/>
+        </p:nvPicPr>
+        <p:blipFill rotWithShape="1">
+          <a:blip r:embed="rId3"/>
+          <a:srcRect l="31061" t="6376" r="32494" b="11347"/>
+          <a:stretch/>
+        </p:blipFill>
+        <p:spPr bwMode="auto">
+          <a:xfrm>
+            <a:off x="6423796" y="696004"/>
+            <a:ext cx="4640444" cy="4999401"/>
+          </a:xfrm>
+          <a:prstGeom prst="rect">
+            <a:avLst/>
+          </a:prstGeom>
+          <a:ln>
+            <a:noFill/>
+          </a:ln>
+          <a:extLst>
+            <a:ext uri="{53640926-AAD7-44D8-BBD7-CCE9431645EC}">
+              <a14:shadowObscured xmlns:a14="http://schemas.microsoft.com/office/drawing/2010/main"/>
+            </a:ext>
+          </a:extLst>
+        </p:spPr>
+      </p:pic>
+    </p:spTree>
+    <p:extLst>
+      <p:ext uri="{BB962C8B-B14F-4D97-AF65-F5344CB8AC3E}">
+        <p14:creationId xmlns:p14="http://schemas.microsoft.com/office/powerpoint/2010/main" val="1501359658"/>
+      </p:ext>
+    </p:extLst>
+  </p:cSld>
+  <p:clrMapOvr>
+    <a:masterClrMapping/>
+  </p:clrMapOvr>
+  <p:transition spd="med">
+    <p:fade/>
+  </p:transition>
 </p:sld>
 </file>
 
